--- a/Final_Presentation_Team_5 .pptx
+++ b/Final_Presentation_Team_5 .pptx
@@ -5,7 +5,7 @@
     <p:sldMasterId id="2147483648" r:id="rId1"/>
   </p:sldMasterIdLst>
   <p:notesMasterIdLst>
-    <p:notesMasterId r:id="rId29"/>
+    <p:notesMasterId r:id="rId28"/>
   </p:notesMasterIdLst>
   <p:sldIdLst>
     <p:sldId id="277" r:id="rId2"/>
@@ -33,8 +33,7 @@
     <p:sldId id="318" r:id="rId24"/>
     <p:sldId id="303" r:id="rId25"/>
     <p:sldId id="317" r:id="rId26"/>
-    <p:sldId id="289" r:id="rId27"/>
-    <p:sldId id="287" r:id="rId28"/>
+    <p:sldId id="287" r:id="rId27"/>
   </p:sldIdLst>
   <p:sldSz cx="9144000" cy="5143500" type="screen16x9"/>
   <p:notesSz cx="6858000" cy="9144000"/>
@@ -545,6 +544,51 @@
           <a:bodyPr/>
           <a:lstStyle/>
           <a:p>
+            <a:pPr marL="0" marR="0" lvl="0" indent="0" algn="l" defTabSz="914400" rtl="0" eaLnBrk="1" fontAlgn="auto" latinLnBrk="0" hangingPunct="1">
+              <a:lnSpc>
+                <a:spcPct val="100000"/>
+              </a:lnSpc>
+              <a:spcBef>
+                <a:spcPts val="0"/>
+              </a:spcBef>
+              <a:spcAft>
+                <a:spcPts val="0"/>
+              </a:spcAft>
+              <a:buClrTx/>
+              <a:buSzTx/>
+              <a:buFontTx/>
+              <a:buNone/>
+              <a:tabLst/>
+              <a:defRPr/>
+            </a:pPr>
+            <a:r>
+              <a:rPr lang="en-US" altLang="zh-CN" dirty="0"/>
+              <a:t>Our project is a</a:t>
+            </a:r>
+            <a:r>
+              <a:rPr lang="zh-CN" altLang="en-US" dirty="0"/>
+              <a:t> </a:t>
+            </a:r>
+            <a:r>
+              <a:rPr lang="en-US" altLang="zh-CN" dirty="0"/>
+              <a:t>ticket</a:t>
+            </a:r>
+            <a:r>
+              <a:rPr lang="zh-CN" altLang="en-US" dirty="0"/>
+              <a:t> </a:t>
+            </a:r>
+            <a:r>
+              <a:rPr lang="en-US" altLang="zh-CN" dirty="0"/>
+              <a:t>agency</a:t>
+            </a:r>
+            <a:r>
+              <a:rPr lang="zh-CN" altLang="en-US" dirty="0"/>
+              <a:t> </a:t>
+            </a:r>
+            <a:r>
+              <a:rPr lang="en-US" altLang="zh-CN" dirty="0"/>
+              <a:t>system</a:t>
+            </a:r>
             <a:endParaRPr lang="zh-CN" altLang="en-US" dirty="0"/>
           </a:p>
         </p:txBody>
@@ -631,86 +675,15 @@
           <a:p>
             <a:r>
               <a:rPr lang="en-US" altLang="zh-CN" dirty="0"/>
-              <a:t>The actor in our system will be the users who buy tickets from the ticket agency.</a:t>
-            </a:r>
-          </a:p>
-          <a:p>
-            <a:pPr marL="0" marR="0" lvl="0" indent="0" algn="l" defTabSz="914400" rtl="0" eaLnBrk="1" fontAlgn="auto" latinLnBrk="0" hangingPunct="1">
-              <a:lnSpc>
-                <a:spcPct val="100000"/>
-              </a:lnSpc>
-              <a:spcBef>
-                <a:spcPts val="0"/>
-              </a:spcBef>
-              <a:spcAft>
-                <a:spcPts val="0"/>
-              </a:spcAft>
-              <a:buClrTx/>
-              <a:buSzTx/>
-              <a:buFontTx/>
-              <a:buNone/>
-              <a:tabLst/>
-              <a:defRPr/>
-            </a:pPr>
-            <a:r>
-              <a:rPr lang="en-US" altLang="zh-CN" dirty="0"/>
-              <a:t>There are basically two actions for the actor. The first will be when a user selects an event (maybe a concert) and then purchase the ticket. And the </a:t>
+              <a:t>To do the load testing for our system, we used gatling (which is a load testing tool for </a:t>
             </a:r>
             <a:r>
-              <a:rPr lang="en-US" altLang="zh-CN" dirty="0">
-                <a:solidFill>
-                  <a:schemeClr val="tx1"/>
-                </a:solidFill>
-              </a:rPr>
-              <a:t>System returns the ticket id to the user or message of ticket being sold out.</a:t>
-            </a:r>
-            <a:endParaRPr lang="zh-CN" altLang="en-US" dirty="0">
-              <a:solidFill>
-                <a:schemeClr val="tx1"/>
-              </a:solidFill>
-            </a:endParaRPr>
-          </a:p>
-          <a:p>
-            <a:r>
-              <a:rPr lang="en-US" altLang="zh-CN" dirty="0"/>
-              <a:t> (</a:t>
-            </a:r>
-            <a:r>
-              <a:rPr lang="en-US" altLang="zh-CN" dirty="0">
-                <a:solidFill>
-                  <a:schemeClr val="tx1"/>
-                </a:solidFill>
-              </a:rPr>
-              <a:t>Concurrent requests: System shows a list of results that which user gets what tickets</a:t>
+              <a:rPr lang="en-US" altLang="zh-CN" dirty="0" err="1"/>
+              <a:t>scala</a:t>
             </a:r>
             <a:r>
               <a:rPr lang="en-US" altLang="zh-CN" dirty="0"/>
-              <a:t>)</a:t>
-            </a:r>
-          </a:p>
-          <a:p>
-            <a:endParaRPr lang="en-US" altLang="zh-CN" dirty="0"/>
-          </a:p>
-          <a:p>
-            <a:r>
-              <a:rPr lang="en-US" altLang="zh-CN" dirty="0"/>
-              <a:t>The other action for the user </a:t>
-            </a:r>
-            <a:r>
-              <a:rPr lang="en-US" altLang="zh-CN" dirty="0" err="1"/>
-              <a:t>wil</a:t>
-            </a:r>
-            <a:r>
-              <a:rPr lang="en-US" altLang="zh-CN" dirty="0"/>
-              <a:t> be checking what tickets has he purchased and the user will receive the </a:t>
-            </a:r>
-            <a:r>
-              <a:rPr lang="en-US" altLang="zh-CN" dirty="0">
-                <a:solidFill>
-                  <a:schemeClr val="tx1"/>
-                </a:solidFill>
-              </a:rPr>
-              <a:t>list of tickets the user purchased</a:t>
+              <a:t>) to simulate an amount of user requests and generate testing reports</a:t>
             </a:r>
             <a:endParaRPr lang="zh-CN" altLang="en-US" dirty="0"/>
           </a:p>
@@ -733,7 +706,7 @@
           <a:p>
             <a:fld id="{4B94CBFA-6C20-47AF-AD12-E2D304E57898}" type="slidenum">
               <a:rPr lang="zh-CN" altLang="en-US" smtClean="0"/>
-              <a:t>13</a:t>
+              <a:t>10</a:t>
             </a:fld>
             <a:endParaRPr lang="zh-CN" altLang="en-US"/>
           </a:p>
@@ -742,7 +715,7 @@
     </p:spTree>
     <p:extLst>
       <p:ext uri="{BB962C8B-B14F-4D97-AF65-F5344CB8AC3E}">
-        <p14:creationId xmlns:p14="http://schemas.microsoft.com/office/powerpoint/2010/main" val="2463749828"/>
+        <p14:creationId xmlns:p14="http://schemas.microsoft.com/office/powerpoint/2010/main" val="3078161525"/>
       </p:ext>
     </p:extLst>
   </p:cSld>
@@ -796,6 +769,10 @@
           <a:bodyPr/>
           <a:lstStyle/>
           <a:p>
+            <a:r>
+              <a:rPr lang="en-US" altLang="zh-CN" dirty="0"/>
+              <a:t>The next part is about the use case implementation of our project</a:t>
+            </a:r>
             <a:endParaRPr lang="zh-CN" altLang="en-US" dirty="0"/>
           </a:p>
         </p:txBody>
@@ -817,7 +794,7 @@
           <a:p>
             <a:fld id="{4B94CBFA-6C20-47AF-AD12-E2D304E57898}" type="slidenum">
               <a:rPr lang="zh-CN" altLang="en-US" smtClean="0"/>
-              <a:t>15</a:t>
+              <a:t>11</a:t>
             </a:fld>
             <a:endParaRPr lang="zh-CN" altLang="en-US"/>
           </a:p>
@@ -826,7 +803,7 @@
     </p:spTree>
     <p:extLst>
       <p:ext uri="{BB962C8B-B14F-4D97-AF65-F5344CB8AC3E}">
-        <p14:creationId xmlns:p14="http://schemas.microsoft.com/office/powerpoint/2010/main" val="2629933576"/>
+        <p14:creationId xmlns:p14="http://schemas.microsoft.com/office/powerpoint/2010/main" val="2768759622"/>
       </p:ext>
     </p:extLst>
   </p:cSld>
@@ -880,7 +857,27 @@
           <a:bodyPr/>
           <a:lstStyle/>
           <a:p>
-            <a:endParaRPr lang="zh-CN" altLang="en-US" dirty="0"/>
+            <a:pPr marL="0" marR="0" lvl="0" indent="0" algn="l" defTabSz="914400" rtl="0" eaLnBrk="1" fontAlgn="auto" latinLnBrk="0" hangingPunct="1">
+              <a:lnSpc>
+                <a:spcPct val="100000"/>
+              </a:lnSpc>
+              <a:spcBef>
+                <a:spcPts val="0"/>
+              </a:spcBef>
+              <a:spcAft>
+                <a:spcPts val="0"/>
+              </a:spcAft>
+              <a:buClrTx/>
+              <a:buSzTx/>
+              <a:buFontTx/>
+              <a:buNone/>
+              <a:tabLst/>
+              <a:defRPr/>
+            </a:pPr>
+            <a:r>
+              <a:rPr lang="en-US" altLang="zh-CN" dirty="0"/>
+              <a:t>In our proposal, we defined two actors in our system, the first one is user. There are two actions for user, which is purchasing ticket for a certain event; and checking his purchase history</a:t>
+            </a:r>
           </a:p>
         </p:txBody>
       </p:sp>
@@ -901,7 +898,7 @@
           <a:p>
             <a:fld id="{4B94CBFA-6C20-47AF-AD12-E2D304E57898}" type="slidenum">
               <a:rPr lang="zh-CN" altLang="en-US" smtClean="0"/>
-              <a:t>16</a:t>
+              <a:t>12</a:t>
             </a:fld>
             <a:endParaRPr lang="zh-CN" altLang="en-US"/>
           </a:p>
@@ -910,7 +907,7 @@
     </p:spTree>
     <p:extLst>
       <p:ext uri="{BB962C8B-B14F-4D97-AF65-F5344CB8AC3E}">
-        <p14:creationId xmlns:p14="http://schemas.microsoft.com/office/powerpoint/2010/main" val="3156588823"/>
+        <p14:creationId xmlns:p14="http://schemas.microsoft.com/office/powerpoint/2010/main" val="3790860723"/>
       </p:ext>
     </p:extLst>
   </p:cSld>
@@ -964,6 +961,10 @@
           <a:bodyPr/>
           <a:lstStyle/>
           <a:p>
+            <a:r>
+              <a:rPr lang="en-US" altLang="zh-CN" dirty="0"/>
+              <a:t>The other actor in the system is ticket owner, which has two actions: checking event detail and the user purchase history</a:t>
+            </a:r>
             <a:endParaRPr lang="zh-CN" altLang="en-US" dirty="0"/>
           </a:p>
         </p:txBody>
@@ -985,7 +986,7 @@
           <a:p>
             <a:fld id="{4B94CBFA-6C20-47AF-AD12-E2D304E57898}" type="slidenum">
               <a:rPr lang="zh-CN" altLang="en-US" smtClean="0"/>
-              <a:t>17</a:t>
+              <a:t>13</a:t>
             </a:fld>
             <a:endParaRPr lang="zh-CN" altLang="en-US"/>
           </a:p>
@@ -994,7 +995,7 @@
     </p:spTree>
     <p:extLst>
       <p:ext uri="{BB962C8B-B14F-4D97-AF65-F5344CB8AC3E}">
-        <p14:creationId xmlns:p14="http://schemas.microsoft.com/office/powerpoint/2010/main" val="4231865315"/>
+        <p14:creationId xmlns:p14="http://schemas.microsoft.com/office/powerpoint/2010/main" val="2463749828"/>
       </p:ext>
     </p:extLst>
   </p:cSld>
@@ -1048,6 +1049,10 @@
           <a:bodyPr/>
           <a:lstStyle/>
           <a:p>
+            <a:r>
+              <a:rPr lang="en-US" altLang="zh-CN" dirty="0"/>
+              <a:t>The next part is the unit test result of our system</a:t>
+            </a:r>
             <a:endParaRPr lang="zh-CN" altLang="en-US" dirty="0"/>
           </a:p>
         </p:txBody>
@@ -1069,7 +1074,7 @@
           <a:p>
             <a:fld id="{4B94CBFA-6C20-47AF-AD12-E2D304E57898}" type="slidenum">
               <a:rPr lang="zh-CN" altLang="en-US" smtClean="0"/>
-              <a:t>19</a:t>
+              <a:t>14</a:t>
             </a:fld>
             <a:endParaRPr lang="zh-CN" altLang="en-US"/>
           </a:p>
@@ -1078,7 +1083,7 @@
     </p:spTree>
     <p:extLst>
       <p:ext uri="{BB962C8B-B14F-4D97-AF65-F5344CB8AC3E}">
-        <p14:creationId xmlns:p14="http://schemas.microsoft.com/office/powerpoint/2010/main" val="2664887586"/>
+        <p14:creationId xmlns:p14="http://schemas.microsoft.com/office/powerpoint/2010/main" val="43316576"/>
       </p:ext>
     </p:extLst>
   </p:cSld>
@@ -1132,6 +1137,10 @@
           <a:bodyPr/>
           <a:lstStyle/>
           <a:p>
+            <a:r>
+              <a:rPr lang="en-US" altLang="zh-CN" dirty="0"/>
+              <a:t>We did unit tests for all of the main services in the system to make sure the entire flow is correct</a:t>
+            </a:r>
             <a:endParaRPr lang="zh-CN" altLang="en-US" dirty="0"/>
           </a:p>
         </p:txBody>
@@ -1153,7 +1162,7 @@
           <a:p>
             <a:fld id="{4B94CBFA-6C20-47AF-AD12-E2D304E57898}" type="slidenum">
               <a:rPr lang="zh-CN" altLang="en-US" smtClean="0"/>
-              <a:t>20</a:t>
+              <a:t>15</a:t>
             </a:fld>
             <a:endParaRPr lang="zh-CN" altLang="en-US"/>
           </a:p>
@@ -1162,7 +1171,7 @@
     </p:spTree>
     <p:extLst>
       <p:ext uri="{BB962C8B-B14F-4D97-AF65-F5344CB8AC3E}">
-        <p14:creationId xmlns:p14="http://schemas.microsoft.com/office/powerpoint/2010/main" val="2889110919"/>
+        <p14:creationId xmlns:p14="http://schemas.microsoft.com/office/powerpoint/2010/main" val="2629933576"/>
       </p:ext>
     </p:extLst>
   </p:cSld>
@@ -1237,7 +1246,7 @@
           <a:p>
             <a:fld id="{4B94CBFA-6C20-47AF-AD12-E2D304E57898}" type="slidenum">
               <a:rPr lang="zh-CN" altLang="en-US" smtClean="0"/>
-              <a:t>21</a:t>
+              <a:t>16</a:t>
             </a:fld>
             <a:endParaRPr lang="zh-CN" altLang="en-US"/>
           </a:p>
@@ -1246,7 +1255,7 @@
     </p:spTree>
     <p:extLst>
       <p:ext uri="{BB962C8B-B14F-4D97-AF65-F5344CB8AC3E}">
-        <p14:creationId xmlns:p14="http://schemas.microsoft.com/office/powerpoint/2010/main" val="1562687728"/>
+        <p14:creationId xmlns:p14="http://schemas.microsoft.com/office/powerpoint/2010/main" val="3156588823"/>
       </p:ext>
     </p:extLst>
   </p:cSld>
@@ -1300,6 +1309,10 @@
           <a:bodyPr/>
           <a:lstStyle/>
           <a:p>
+            <a:r>
+              <a:rPr lang="en-US" altLang="zh-CN" dirty="0"/>
+              <a:t>We also created a test to make sure there’s no a single ticket been sold more than once, which means users can’t purchase the same ticket</a:t>
+            </a:r>
             <a:endParaRPr lang="zh-CN" altLang="en-US" dirty="0"/>
           </a:p>
         </p:txBody>
@@ -1321,7 +1334,7 @@
           <a:p>
             <a:fld id="{4B94CBFA-6C20-47AF-AD12-E2D304E57898}" type="slidenum">
               <a:rPr lang="zh-CN" altLang="en-US" smtClean="0"/>
-              <a:t>22</a:t>
+              <a:t>17</a:t>
             </a:fld>
             <a:endParaRPr lang="zh-CN" altLang="en-US"/>
           </a:p>
@@ -1330,7 +1343,7 @@
     </p:spTree>
     <p:extLst>
       <p:ext uri="{BB962C8B-B14F-4D97-AF65-F5344CB8AC3E}">
-        <p14:creationId xmlns:p14="http://schemas.microsoft.com/office/powerpoint/2010/main" val="917766676"/>
+        <p14:creationId xmlns:p14="http://schemas.microsoft.com/office/powerpoint/2010/main" val="4231865315"/>
       </p:ext>
     </p:extLst>
   </p:cSld>
@@ -1384,6 +1397,10 @@
           <a:bodyPr/>
           <a:lstStyle/>
           <a:p>
+            <a:r>
+              <a:rPr lang="en-US" altLang="zh-CN" dirty="0"/>
+              <a:t>The next part is the acceptance criteria and the result of our implementation</a:t>
+            </a:r>
             <a:endParaRPr lang="zh-CN" altLang="en-US" dirty="0"/>
           </a:p>
         </p:txBody>
@@ -1405,7 +1422,7 @@
           <a:p>
             <a:fld id="{4B94CBFA-6C20-47AF-AD12-E2D304E57898}" type="slidenum">
               <a:rPr lang="zh-CN" altLang="en-US" smtClean="0"/>
-              <a:t>23</a:t>
+              <a:t>18</a:t>
             </a:fld>
             <a:endParaRPr lang="zh-CN" altLang="en-US"/>
           </a:p>
@@ -1414,7 +1431,7 @@
     </p:spTree>
     <p:extLst>
       <p:ext uri="{BB962C8B-B14F-4D97-AF65-F5344CB8AC3E}">
-        <p14:creationId xmlns:p14="http://schemas.microsoft.com/office/powerpoint/2010/main" val="2963012500"/>
+        <p14:creationId xmlns:p14="http://schemas.microsoft.com/office/powerpoint/2010/main" val="547030761"/>
       </p:ext>
     </p:extLst>
   </p:cSld>
@@ -1468,6 +1485,90 @@
           <a:bodyPr/>
           <a:lstStyle/>
           <a:p>
+            <a:r>
+              <a:rPr lang="en-US" altLang="zh-CN" dirty="0"/>
+              <a:t>In order to meet the criteria of our system, we used gatling to do the load testing.</a:t>
+            </a:r>
+          </a:p>
+          <a:p>
+            <a:pPr marL="0" marR="0" lvl="0" indent="0" algn="l" defTabSz="914400" rtl="0" eaLnBrk="1" fontAlgn="auto" latinLnBrk="0" hangingPunct="1">
+              <a:lnSpc>
+                <a:spcPct val="100000"/>
+              </a:lnSpc>
+              <a:spcBef>
+                <a:spcPts val="0"/>
+              </a:spcBef>
+              <a:spcAft>
+                <a:spcPts val="0"/>
+              </a:spcAft>
+              <a:buClrTx/>
+              <a:buSzTx/>
+              <a:buFontTx/>
+              <a:buNone/>
+              <a:tabLst/>
+              <a:defRPr/>
+            </a:pPr>
+            <a:r>
+              <a:rPr lang="en-US" altLang="zh-CN" dirty="0"/>
+              <a:t>The first criteria we made in our proposal is to </a:t>
+            </a:r>
+            <a:r>
+              <a:rPr lang="en-US" altLang="zh-CN" sz="1200" dirty="0">
+                <a:solidFill>
+                  <a:srgbClr val="FFC000"/>
+                </a:solidFill>
+              </a:rPr>
+              <a:t>Allow</a:t>
+            </a:r>
+            <a:r>
+              <a:rPr lang="en-US" altLang="zh-CN" sz="1200" b="1" dirty="0">
+                <a:solidFill>
+                  <a:srgbClr val="FFC000"/>
+                </a:solidFill>
+              </a:rPr>
+              <a:t> 1,000 </a:t>
+            </a:r>
+            <a:r>
+              <a:rPr lang="en-US" altLang="zh-CN" sz="1200" dirty="0">
+                <a:solidFill>
+                  <a:srgbClr val="FFC000"/>
+                </a:solidFill>
+              </a:rPr>
+              <a:t>users to purchase tickets concurrently without any conflict (make sure every ticket can </a:t>
+            </a:r>
+            <a:r>
+              <a:rPr lang="en-US" altLang="zh-CN" sz="1200" b="1" dirty="0">
+                <a:solidFill>
+                  <a:srgbClr val="FFC000"/>
+                </a:solidFill>
+              </a:rPr>
+              <a:t>not be sold more than once</a:t>
+            </a:r>
+            <a:r>
+              <a:rPr lang="en-US" altLang="zh-CN" sz="1200" dirty="0">
+                <a:solidFill>
+                  <a:srgbClr val="FFC000"/>
+                </a:solidFill>
+              </a:rPr>
+              <a:t>)</a:t>
+            </a:r>
+          </a:p>
+          <a:p>
+            <a:endParaRPr lang="en-US" altLang="zh-CN" dirty="0"/>
+          </a:p>
+          <a:p>
+            <a:r>
+              <a:rPr lang="en-US" altLang="zh-CN" dirty="0"/>
+              <a:t>According to the report of our load testing, We can we got a 100% success rate for 1000 concurrent user requests. None of the requests failed. And after running our duplicate test, there is no </a:t>
+            </a:r>
+            <a:r>
+              <a:rPr lang="en-US" altLang="zh-CN" dirty="0" err="1"/>
+              <a:t>duplicately</a:t>
+            </a:r>
+            <a:r>
+              <a:rPr lang="en-US" altLang="zh-CN" dirty="0"/>
+              <a:t> sold ticket</a:t>
+            </a:r>
             <a:endParaRPr lang="zh-CN" altLang="en-US" dirty="0"/>
           </a:p>
         </p:txBody>
@@ -1489,7 +1590,7 @@
           <a:p>
             <a:fld id="{4B94CBFA-6C20-47AF-AD12-E2D304E57898}" type="slidenum">
               <a:rPr lang="zh-CN" altLang="en-US" smtClean="0"/>
-              <a:t>25</a:t>
+              <a:t>19</a:t>
             </a:fld>
             <a:endParaRPr lang="zh-CN" altLang="en-US"/>
           </a:p>
@@ -1498,7 +1599,7 @@
     </p:spTree>
     <p:extLst>
       <p:ext uri="{BB962C8B-B14F-4D97-AF65-F5344CB8AC3E}">
-        <p14:creationId xmlns:p14="http://schemas.microsoft.com/office/powerpoint/2010/main" val="621703347"/>
+        <p14:creationId xmlns:p14="http://schemas.microsoft.com/office/powerpoint/2010/main" val="2664887586"/>
       </p:ext>
     </p:extLst>
   </p:cSld>
@@ -1552,6 +1653,10 @@
           <a:bodyPr/>
           <a:lstStyle/>
           <a:p>
+            <a:r>
+              <a:rPr lang="en-US" altLang="zh-CN" dirty="0"/>
+              <a:t>First I’d like to talk about the project objective </a:t>
+            </a:r>
             <a:endParaRPr lang="zh-CN" altLang="en-US" dirty="0"/>
           </a:p>
         </p:txBody>
@@ -1573,7 +1678,7 @@
           <a:p>
             <a:fld id="{4B94CBFA-6C20-47AF-AD12-E2D304E57898}" type="slidenum">
               <a:rPr lang="zh-CN" altLang="en-US" smtClean="0"/>
-              <a:t>3</a:t>
+              <a:t>2</a:t>
             </a:fld>
             <a:endParaRPr lang="zh-CN" altLang="en-US"/>
           </a:p>
@@ -1582,7 +1687,705 @@
     </p:spTree>
     <p:extLst>
       <p:ext uri="{BB962C8B-B14F-4D97-AF65-F5344CB8AC3E}">
-        <p14:creationId xmlns:p14="http://schemas.microsoft.com/office/powerpoint/2010/main" val="968240844"/>
+        <p14:creationId xmlns:p14="http://schemas.microsoft.com/office/powerpoint/2010/main" val="738191956"/>
+      </p:ext>
+    </p:extLst>
+  </p:cSld>
+  <p:clrMapOvr>
+    <a:masterClrMapping/>
+  </p:clrMapOvr>
+</p:notes>
+</file>
+
+<file path=ppt/notesSlides/notesSlide20.xml><?xml version="1.0" encoding="utf-8"?>
+<p:notes xmlns:a="http://schemas.openxmlformats.org/drawingml/2006/main" xmlns:r="http://schemas.openxmlformats.org/officeDocument/2006/relationships" xmlns:p="http://schemas.openxmlformats.org/presentationml/2006/main">
+  <p:cSld>
+    <p:spTree>
+      <p:nvGrpSpPr>
+        <p:cNvPr id="1" name=""/>
+        <p:cNvGrpSpPr/>
+        <p:nvPr/>
+      </p:nvGrpSpPr>
+      <p:grpSpPr>
+        <a:xfrm>
+          <a:off x="0" y="0"/>
+          <a:ext cx="0" cy="0"/>
+          <a:chOff x="0" y="0"/>
+          <a:chExt cx="0" cy="0"/>
+        </a:xfrm>
+      </p:grpSpPr>
+      <p:sp>
+        <p:nvSpPr>
+          <p:cNvPr id="2" name="幻灯片图像占位符 1"/>
+          <p:cNvSpPr>
+            <a:spLocks noGrp="1" noRot="1" noChangeAspect="1"/>
+          </p:cNvSpPr>
+          <p:nvPr>
+            <p:ph type="sldImg"/>
+          </p:nvPr>
+        </p:nvSpPr>
+        <p:spPr/>
+      </p:sp>
+      <p:sp>
+        <p:nvSpPr>
+          <p:cNvPr id="3" name="备注占位符 2"/>
+          <p:cNvSpPr>
+            <a:spLocks noGrp="1"/>
+          </p:cNvSpPr>
+          <p:nvPr>
+            <p:ph type="body" idx="1"/>
+          </p:nvPr>
+        </p:nvSpPr>
+        <p:spPr/>
+        <p:txBody>
+          <a:bodyPr/>
+          <a:lstStyle/>
+          <a:p>
+            <a:r>
+              <a:rPr lang="en-US" altLang="zh-CN" dirty="0"/>
+              <a:t>We also test for 2000 user and 4000 users, they all got 100% success and no conflicts</a:t>
+            </a:r>
+            <a:endParaRPr lang="zh-CN" altLang="en-US" dirty="0"/>
+          </a:p>
+        </p:txBody>
+      </p:sp>
+      <p:sp>
+        <p:nvSpPr>
+          <p:cNvPr id="4" name="灯片编号占位符 3"/>
+          <p:cNvSpPr>
+            <a:spLocks noGrp="1"/>
+          </p:cNvSpPr>
+          <p:nvPr>
+            <p:ph type="sldNum" sz="quarter" idx="5"/>
+          </p:nvPr>
+        </p:nvSpPr>
+        <p:spPr/>
+        <p:txBody>
+          <a:bodyPr/>
+          <a:lstStyle/>
+          <a:p>
+            <a:fld id="{4B94CBFA-6C20-47AF-AD12-E2D304E57898}" type="slidenum">
+              <a:rPr lang="zh-CN" altLang="en-US" smtClean="0"/>
+              <a:t>20</a:t>
+            </a:fld>
+            <a:endParaRPr lang="zh-CN" altLang="en-US"/>
+          </a:p>
+        </p:txBody>
+      </p:sp>
+    </p:spTree>
+    <p:extLst>
+      <p:ext uri="{BB962C8B-B14F-4D97-AF65-F5344CB8AC3E}">
+        <p14:creationId xmlns:p14="http://schemas.microsoft.com/office/powerpoint/2010/main" val="2889110919"/>
+      </p:ext>
+    </p:extLst>
+  </p:cSld>
+  <p:clrMapOvr>
+    <a:masterClrMapping/>
+  </p:clrMapOvr>
+</p:notes>
+</file>
+
+<file path=ppt/notesSlides/notesSlide21.xml><?xml version="1.0" encoding="utf-8"?>
+<p:notes xmlns:a="http://schemas.openxmlformats.org/drawingml/2006/main" xmlns:r="http://schemas.openxmlformats.org/officeDocument/2006/relationships" xmlns:p="http://schemas.openxmlformats.org/presentationml/2006/main">
+  <p:cSld>
+    <p:spTree>
+      <p:nvGrpSpPr>
+        <p:cNvPr id="1" name=""/>
+        <p:cNvGrpSpPr/>
+        <p:nvPr/>
+      </p:nvGrpSpPr>
+      <p:grpSpPr>
+        <a:xfrm>
+          <a:off x="0" y="0"/>
+          <a:ext cx="0" cy="0"/>
+          <a:chOff x="0" y="0"/>
+          <a:chExt cx="0" cy="0"/>
+        </a:xfrm>
+      </p:grpSpPr>
+      <p:sp>
+        <p:nvSpPr>
+          <p:cNvPr id="2" name="幻灯片图像占位符 1"/>
+          <p:cNvSpPr>
+            <a:spLocks noGrp="1" noRot="1" noChangeAspect="1"/>
+          </p:cNvSpPr>
+          <p:nvPr>
+            <p:ph type="sldImg"/>
+          </p:nvPr>
+        </p:nvSpPr>
+        <p:spPr/>
+      </p:sp>
+      <p:sp>
+        <p:nvSpPr>
+          <p:cNvPr id="3" name="备注占位符 2"/>
+          <p:cNvSpPr>
+            <a:spLocks noGrp="1"/>
+          </p:cNvSpPr>
+          <p:nvPr>
+            <p:ph type="body" idx="1"/>
+          </p:nvPr>
+        </p:nvSpPr>
+        <p:spPr/>
+        <p:txBody>
+          <a:bodyPr/>
+          <a:lstStyle/>
+          <a:p>
+            <a:endParaRPr lang="zh-CN" altLang="en-US" dirty="0"/>
+          </a:p>
+        </p:txBody>
+      </p:sp>
+      <p:sp>
+        <p:nvSpPr>
+          <p:cNvPr id="4" name="灯片编号占位符 3"/>
+          <p:cNvSpPr>
+            <a:spLocks noGrp="1"/>
+          </p:cNvSpPr>
+          <p:nvPr>
+            <p:ph type="sldNum" sz="quarter" idx="5"/>
+          </p:nvPr>
+        </p:nvSpPr>
+        <p:spPr/>
+        <p:txBody>
+          <a:bodyPr/>
+          <a:lstStyle/>
+          <a:p>
+            <a:fld id="{4B94CBFA-6C20-47AF-AD12-E2D304E57898}" type="slidenum">
+              <a:rPr lang="zh-CN" altLang="en-US" smtClean="0"/>
+              <a:t>21</a:t>
+            </a:fld>
+            <a:endParaRPr lang="zh-CN" altLang="en-US"/>
+          </a:p>
+        </p:txBody>
+      </p:sp>
+    </p:spTree>
+    <p:extLst>
+      <p:ext uri="{BB962C8B-B14F-4D97-AF65-F5344CB8AC3E}">
+        <p14:creationId xmlns:p14="http://schemas.microsoft.com/office/powerpoint/2010/main" val="1562687728"/>
+      </p:ext>
+    </p:extLst>
+  </p:cSld>
+  <p:clrMapOvr>
+    <a:masterClrMapping/>
+  </p:clrMapOvr>
+</p:notes>
+</file>
+
+<file path=ppt/notesSlides/notesSlide22.xml><?xml version="1.0" encoding="utf-8"?>
+<p:notes xmlns:a="http://schemas.openxmlformats.org/drawingml/2006/main" xmlns:r="http://schemas.openxmlformats.org/officeDocument/2006/relationships" xmlns:p="http://schemas.openxmlformats.org/presentationml/2006/main">
+  <p:cSld>
+    <p:spTree>
+      <p:nvGrpSpPr>
+        <p:cNvPr id="1" name=""/>
+        <p:cNvGrpSpPr/>
+        <p:nvPr/>
+      </p:nvGrpSpPr>
+      <p:grpSpPr>
+        <a:xfrm>
+          <a:off x="0" y="0"/>
+          <a:ext cx="0" cy="0"/>
+          <a:chOff x="0" y="0"/>
+          <a:chExt cx="0" cy="0"/>
+        </a:xfrm>
+      </p:grpSpPr>
+      <p:sp>
+        <p:nvSpPr>
+          <p:cNvPr id="2" name="幻灯片图像占位符 1"/>
+          <p:cNvSpPr>
+            <a:spLocks noGrp="1" noRot="1" noChangeAspect="1"/>
+          </p:cNvSpPr>
+          <p:nvPr>
+            <p:ph type="sldImg"/>
+          </p:nvPr>
+        </p:nvSpPr>
+        <p:spPr/>
+      </p:sp>
+      <p:sp>
+        <p:nvSpPr>
+          <p:cNvPr id="3" name="备注占位符 2"/>
+          <p:cNvSpPr>
+            <a:spLocks noGrp="1"/>
+          </p:cNvSpPr>
+          <p:nvPr>
+            <p:ph type="body" idx="1"/>
+          </p:nvPr>
+        </p:nvSpPr>
+        <p:spPr/>
+        <p:txBody>
+          <a:bodyPr/>
+          <a:lstStyle/>
+          <a:p>
+            <a:r>
+              <a:rPr lang="en-US" altLang="zh-CN" dirty="0"/>
+              <a:t>The second criteria is to </a:t>
+            </a:r>
+            <a:r>
+              <a:rPr lang="en-US" altLang="zh-CN" sz="1200" b="1" dirty="0">
+                <a:solidFill>
+                  <a:srgbClr val="FFC000"/>
+                </a:solidFill>
+              </a:rPr>
+              <a:t>Make sure 90% of user requests can be responded within 4 seconds</a:t>
+            </a:r>
+          </a:p>
+          <a:p>
+            <a:endParaRPr lang="en-US" altLang="zh-CN" sz="1200" b="1" dirty="0">
+              <a:solidFill>
+                <a:srgbClr val="FFC000"/>
+              </a:solidFill>
+            </a:endParaRPr>
+          </a:p>
+          <a:p>
+            <a:r>
+              <a:rPr lang="en-US" altLang="zh-CN" sz="1200" b="1" dirty="0">
+                <a:solidFill>
+                  <a:srgbClr val="FFC000"/>
+                </a:solidFill>
+              </a:rPr>
+              <a:t>We can see from the report that For 1000 concurrent user request, 100% of the requests are responded with 1556 </a:t>
+            </a:r>
+            <a:r>
+              <a:rPr lang="en-US" altLang="zh-CN" sz="1200" b="1" dirty="0" err="1">
+                <a:solidFill>
+                  <a:srgbClr val="FFC000"/>
+                </a:solidFill>
+              </a:rPr>
+              <a:t>ms</a:t>
+            </a:r>
+            <a:r>
+              <a:rPr lang="en-US" altLang="zh-CN" sz="1200" b="1" dirty="0">
+                <a:solidFill>
+                  <a:srgbClr val="FFC000"/>
+                </a:solidFill>
+              </a:rPr>
+              <a:t> which is 1.5 seconds, which meets our expectations.</a:t>
+            </a:r>
+            <a:endParaRPr lang="zh-CN" altLang="en-US" dirty="0"/>
+          </a:p>
+        </p:txBody>
+      </p:sp>
+      <p:sp>
+        <p:nvSpPr>
+          <p:cNvPr id="4" name="灯片编号占位符 3"/>
+          <p:cNvSpPr>
+            <a:spLocks noGrp="1"/>
+          </p:cNvSpPr>
+          <p:nvPr>
+            <p:ph type="sldNum" sz="quarter" idx="5"/>
+          </p:nvPr>
+        </p:nvSpPr>
+        <p:spPr/>
+        <p:txBody>
+          <a:bodyPr/>
+          <a:lstStyle/>
+          <a:p>
+            <a:fld id="{4B94CBFA-6C20-47AF-AD12-E2D304E57898}" type="slidenum">
+              <a:rPr lang="zh-CN" altLang="en-US" smtClean="0"/>
+              <a:t>22</a:t>
+            </a:fld>
+            <a:endParaRPr lang="zh-CN" altLang="en-US"/>
+          </a:p>
+        </p:txBody>
+      </p:sp>
+    </p:spTree>
+    <p:extLst>
+      <p:ext uri="{BB962C8B-B14F-4D97-AF65-F5344CB8AC3E}">
+        <p14:creationId xmlns:p14="http://schemas.microsoft.com/office/powerpoint/2010/main" val="917766676"/>
+      </p:ext>
+    </p:extLst>
+  </p:cSld>
+  <p:clrMapOvr>
+    <a:masterClrMapping/>
+  </p:clrMapOvr>
+</p:notes>
+</file>
+
+<file path=ppt/notesSlides/notesSlide23.xml><?xml version="1.0" encoding="utf-8"?>
+<p:notes xmlns:a="http://schemas.openxmlformats.org/drawingml/2006/main" xmlns:r="http://schemas.openxmlformats.org/officeDocument/2006/relationships" xmlns:p="http://schemas.openxmlformats.org/presentationml/2006/main">
+  <p:cSld>
+    <p:spTree>
+      <p:nvGrpSpPr>
+        <p:cNvPr id="1" name=""/>
+        <p:cNvGrpSpPr/>
+        <p:nvPr/>
+      </p:nvGrpSpPr>
+      <p:grpSpPr>
+        <a:xfrm>
+          <a:off x="0" y="0"/>
+          <a:ext cx="0" cy="0"/>
+          <a:chOff x="0" y="0"/>
+          <a:chExt cx="0" cy="0"/>
+        </a:xfrm>
+      </p:grpSpPr>
+      <p:sp>
+        <p:nvSpPr>
+          <p:cNvPr id="2" name="幻灯片图像占位符 1"/>
+          <p:cNvSpPr>
+            <a:spLocks noGrp="1" noRot="1" noChangeAspect="1"/>
+          </p:cNvSpPr>
+          <p:nvPr>
+            <p:ph type="sldImg"/>
+          </p:nvPr>
+        </p:nvSpPr>
+        <p:spPr/>
+      </p:sp>
+      <p:sp>
+        <p:nvSpPr>
+          <p:cNvPr id="3" name="备注占位符 2"/>
+          <p:cNvSpPr>
+            <a:spLocks noGrp="1"/>
+          </p:cNvSpPr>
+          <p:nvPr>
+            <p:ph type="body" idx="1"/>
+          </p:nvPr>
+        </p:nvSpPr>
+        <p:spPr/>
+        <p:txBody>
+          <a:bodyPr/>
+          <a:lstStyle/>
+          <a:p>
+            <a:endParaRPr lang="zh-CN" altLang="en-US" dirty="0"/>
+          </a:p>
+        </p:txBody>
+      </p:sp>
+      <p:sp>
+        <p:nvSpPr>
+          <p:cNvPr id="4" name="灯片编号占位符 3"/>
+          <p:cNvSpPr>
+            <a:spLocks noGrp="1"/>
+          </p:cNvSpPr>
+          <p:nvPr>
+            <p:ph type="sldNum" sz="quarter" idx="5"/>
+          </p:nvPr>
+        </p:nvSpPr>
+        <p:spPr/>
+        <p:txBody>
+          <a:bodyPr/>
+          <a:lstStyle/>
+          <a:p>
+            <a:fld id="{4B94CBFA-6C20-47AF-AD12-E2D304E57898}" type="slidenum">
+              <a:rPr lang="zh-CN" altLang="en-US" smtClean="0"/>
+              <a:t>23</a:t>
+            </a:fld>
+            <a:endParaRPr lang="zh-CN" altLang="en-US"/>
+          </a:p>
+        </p:txBody>
+      </p:sp>
+    </p:spTree>
+    <p:extLst>
+      <p:ext uri="{BB962C8B-B14F-4D97-AF65-F5344CB8AC3E}">
+        <p14:creationId xmlns:p14="http://schemas.microsoft.com/office/powerpoint/2010/main" val="2963012500"/>
+      </p:ext>
+    </p:extLst>
+  </p:cSld>
+  <p:clrMapOvr>
+    <a:masterClrMapping/>
+  </p:clrMapOvr>
+</p:notes>
+</file>
+
+<file path=ppt/notesSlides/notesSlide24.xml><?xml version="1.0" encoding="utf-8"?>
+<p:notes xmlns:a="http://schemas.openxmlformats.org/drawingml/2006/main" xmlns:r="http://schemas.openxmlformats.org/officeDocument/2006/relationships" xmlns:p="http://schemas.openxmlformats.org/presentationml/2006/main">
+  <p:cSld>
+    <p:spTree>
+      <p:nvGrpSpPr>
+        <p:cNvPr id="1" name=""/>
+        <p:cNvGrpSpPr/>
+        <p:nvPr/>
+      </p:nvGrpSpPr>
+      <p:grpSpPr>
+        <a:xfrm>
+          <a:off x="0" y="0"/>
+          <a:ext cx="0" cy="0"/>
+          <a:chOff x="0" y="0"/>
+          <a:chExt cx="0" cy="0"/>
+        </a:xfrm>
+      </p:grpSpPr>
+      <p:sp>
+        <p:nvSpPr>
+          <p:cNvPr id="2" name="幻灯片图像占位符 1"/>
+          <p:cNvSpPr>
+            <a:spLocks noGrp="1" noRot="1" noChangeAspect="1"/>
+          </p:cNvSpPr>
+          <p:nvPr>
+            <p:ph type="sldImg"/>
+          </p:nvPr>
+        </p:nvSpPr>
+        <p:spPr/>
+      </p:sp>
+      <p:sp>
+        <p:nvSpPr>
+          <p:cNvPr id="3" name="备注占位符 2"/>
+          <p:cNvSpPr>
+            <a:spLocks noGrp="1"/>
+          </p:cNvSpPr>
+          <p:nvPr>
+            <p:ph type="body" idx="1"/>
+          </p:nvPr>
+        </p:nvSpPr>
+        <p:spPr/>
+        <p:txBody>
+          <a:bodyPr/>
+          <a:lstStyle/>
+          <a:p>
+            <a:r>
+              <a:rPr lang="en-US" altLang="zh-CN" dirty="0"/>
+              <a:t>The last part is the conclusion of our project</a:t>
+            </a:r>
+            <a:endParaRPr lang="zh-CN" altLang="en-US" dirty="0"/>
+          </a:p>
+        </p:txBody>
+      </p:sp>
+      <p:sp>
+        <p:nvSpPr>
+          <p:cNvPr id="4" name="灯片编号占位符 3"/>
+          <p:cNvSpPr>
+            <a:spLocks noGrp="1"/>
+          </p:cNvSpPr>
+          <p:nvPr>
+            <p:ph type="sldNum" sz="quarter" idx="5"/>
+          </p:nvPr>
+        </p:nvSpPr>
+        <p:spPr/>
+        <p:txBody>
+          <a:bodyPr/>
+          <a:lstStyle/>
+          <a:p>
+            <a:fld id="{4B94CBFA-6C20-47AF-AD12-E2D304E57898}" type="slidenum">
+              <a:rPr lang="zh-CN" altLang="en-US" smtClean="0"/>
+              <a:t>24</a:t>
+            </a:fld>
+            <a:endParaRPr lang="zh-CN" altLang="en-US"/>
+          </a:p>
+        </p:txBody>
+      </p:sp>
+    </p:spTree>
+    <p:extLst>
+      <p:ext uri="{BB962C8B-B14F-4D97-AF65-F5344CB8AC3E}">
+        <p14:creationId xmlns:p14="http://schemas.microsoft.com/office/powerpoint/2010/main" val="4008193722"/>
+      </p:ext>
+    </p:extLst>
+  </p:cSld>
+  <p:clrMapOvr>
+    <a:masterClrMapping/>
+  </p:clrMapOvr>
+</p:notes>
+</file>
+
+<file path=ppt/notesSlides/notesSlide25.xml><?xml version="1.0" encoding="utf-8"?>
+<p:notes xmlns:a="http://schemas.openxmlformats.org/drawingml/2006/main" xmlns:r="http://schemas.openxmlformats.org/officeDocument/2006/relationships" xmlns:p="http://schemas.openxmlformats.org/presentationml/2006/main">
+  <p:cSld>
+    <p:spTree>
+      <p:nvGrpSpPr>
+        <p:cNvPr id="1" name=""/>
+        <p:cNvGrpSpPr/>
+        <p:nvPr/>
+      </p:nvGrpSpPr>
+      <p:grpSpPr>
+        <a:xfrm>
+          <a:off x="0" y="0"/>
+          <a:ext cx="0" cy="0"/>
+          <a:chOff x="0" y="0"/>
+          <a:chExt cx="0" cy="0"/>
+        </a:xfrm>
+      </p:grpSpPr>
+      <p:sp>
+        <p:nvSpPr>
+          <p:cNvPr id="2" name="幻灯片图像占位符 1"/>
+          <p:cNvSpPr>
+            <a:spLocks noGrp="1" noRot="1" noChangeAspect="1"/>
+          </p:cNvSpPr>
+          <p:nvPr>
+            <p:ph type="sldImg"/>
+          </p:nvPr>
+        </p:nvSpPr>
+        <p:spPr/>
+      </p:sp>
+      <p:sp>
+        <p:nvSpPr>
+          <p:cNvPr id="3" name="备注占位符 2"/>
+          <p:cNvSpPr>
+            <a:spLocks noGrp="1"/>
+          </p:cNvSpPr>
+          <p:nvPr>
+            <p:ph type="body" idx="1"/>
+          </p:nvPr>
+        </p:nvSpPr>
+        <p:spPr/>
+        <p:txBody>
+          <a:bodyPr/>
+          <a:lstStyle/>
+          <a:p>
+            <a:pPr marL="0" indent="0">
+              <a:buFont typeface="Arial" panose="020B0604020202020204" pitchFamily="34" charset="0"/>
+              <a:buNone/>
+            </a:pPr>
+            <a:r>
+              <a:rPr lang="en-US" altLang="zh-CN" dirty="0"/>
+              <a:t>IN our project ,we created a ticket agency system with </a:t>
+            </a:r>
+            <a:r>
+              <a:rPr lang="en-US" altLang="zh-CN" b="1" dirty="0">
+                <a:solidFill>
+                  <a:srgbClr val="F7AC12"/>
+                </a:solidFill>
+              </a:rPr>
+              <a:t>Neat User Interface for both Users &amp; Ticket Owners. The users can </a:t>
+            </a:r>
+            <a:r>
+              <a:rPr lang="en-US" altLang="zh-CN" dirty="0">
+                <a:solidFill>
+                  <a:schemeClr val="bg1"/>
+                </a:solidFill>
+              </a:rPr>
+              <a:t>Purchase tickets for different event and Check their purchase History; the ticket owner can check the event and ticket detail as well as check any user’s purchase history.</a:t>
+            </a:r>
+          </a:p>
+          <a:p>
+            <a:pPr marL="0" indent="0">
+              <a:buFont typeface="Arial" panose="020B0604020202020204" pitchFamily="34" charset="0"/>
+              <a:buNone/>
+            </a:pPr>
+            <a:endParaRPr lang="en-US" altLang="zh-CN" dirty="0">
+              <a:solidFill>
+                <a:schemeClr val="bg1"/>
+              </a:solidFill>
+            </a:endParaRPr>
+          </a:p>
+          <a:p>
+            <a:pPr marL="0" indent="0">
+              <a:buFont typeface="Arial" panose="020B0604020202020204" pitchFamily="34" charset="0"/>
+              <a:buNone/>
+            </a:pPr>
+            <a:r>
+              <a:rPr lang="en-US" altLang="zh-CN" dirty="0">
+                <a:solidFill>
+                  <a:schemeClr val="bg1"/>
+                </a:solidFill>
+              </a:rPr>
+              <a:t>We implemented 100% success request rate for 4000 users to purchase tickets concurrently, and make sure a ticket can only be sold once so that the users can buy tickets with no conflict</a:t>
+            </a:r>
+          </a:p>
+          <a:p>
+            <a:pPr marL="0" indent="0">
+              <a:buFont typeface="Arial" panose="020B0604020202020204" pitchFamily="34" charset="0"/>
+              <a:buNone/>
+            </a:pPr>
+            <a:endParaRPr lang="en-US" altLang="zh-CN" dirty="0">
+              <a:solidFill>
+                <a:schemeClr val="bg1"/>
+              </a:solidFill>
+            </a:endParaRPr>
+          </a:p>
+          <a:p>
+            <a:pPr marL="0" indent="0">
+              <a:buFont typeface="Wingdings" panose="05000000000000000000" pitchFamily="2" charset="2"/>
+              <a:buNone/>
+            </a:pPr>
+            <a:r>
+              <a:rPr lang="en-US" altLang="zh-CN" dirty="0">
+                <a:solidFill>
+                  <a:schemeClr val="bg1"/>
+                </a:solidFill>
+              </a:rPr>
+              <a:t>Also, we implement 1.5 seconds for 100% percent of 1,000 – 2,000 user queries</a:t>
+            </a:r>
+          </a:p>
+          <a:p>
+            <a:pPr marL="0" indent="0">
+              <a:buFont typeface="Wingdings" panose="05000000000000000000" pitchFamily="2" charset="2"/>
+              <a:buNone/>
+            </a:pPr>
+            <a:r>
+              <a:rPr lang="en-US" altLang="zh-CN" dirty="0">
+                <a:solidFill>
+                  <a:schemeClr val="bg1"/>
+                </a:solidFill>
+              </a:rPr>
+              <a:t>1.5 seconds for 91% percent of 4,000 user queries</a:t>
+            </a:r>
+          </a:p>
+          <a:p>
+            <a:pPr marL="0" indent="0">
+              <a:buFont typeface="Arial" panose="020B0604020202020204" pitchFamily="34" charset="0"/>
+              <a:buNone/>
+            </a:pPr>
+            <a:r>
+              <a:rPr lang="en-US" altLang="zh-CN" dirty="0">
+                <a:solidFill>
+                  <a:schemeClr val="bg1"/>
+                </a:solidFill>
+              </a:rPr>
+              <a:t>Which fulfill the expectation in </a:t>
+            </a:r>
+            <a:r>
+              <a:rPr lang="en-US" altLang="zh-CN">
+                <a:solidFill>
+                  <a:schemeClr val="bg1"/>
+                </a:solidFill>
+              </a:rPr>
+              <a:t>our proposal</a:t>
+            </a:r>
+            <a:endParaRPr lang="en-US" altLang="zh-CN" dirty="0">
+              <a:solidFill>
+                <a:schemeClr val="bg1"/>
+              </a:solidFill>
+            </a:endParaRPr>
+          </a:p>
+          <a:p>
+            <a:pPr marL="0" marR="0" lvl="0" indent="0" algn="l" defTabSz="914400" rtl="0" eaLnBrk="1" fontAlgn="auto" latinLnBrk="0" hangingPunct="1">
+              <a:lnSpc>
+                <a:spcPct val="100000"/>
+              </a:lnSpc>
+              <a:spcBef>
+                <a:spcPts val="0"/>
+              </a:spcBef>
+              <a:spcAft>
+                <a:spcPts val="0"/>
+              </a:spcAft>
+              <a:buClrTx/>
+              <a:buSzTx/>
+              <a:buFontTx/>
+              <a:buNone/>
+              <a:tabLst/>
+              <a:defRPr/>
+            </a:pPr>
+            <a:endParaRPr lang="en-US" altLang="zh-CN" b="1" dirty="0">
+              <a:solidFill>
+                <a:srgbClr val="F7AC12"/>
+              </a:solidFill>
+            </a:endParaRPr>
+          </a:p>
+          <a:p>
+            <a:endParaRPr lang="zh-CN" altLang="en-US" dirty="0"/>
+          </a:p>
+        </p:txBody>
+      </p:sp>
+      <p:sp>
+        <p:nvSpPr>
+          <p:cNvPr id="4" name="灯片编号占位符 3"/>
+          <p:cNvSpPr>
+            <a:spLocks noGrp="1"/>
+          </p:cNvSpPr>
+          <p:nvPr>
+            <p:ph type="sldNum" sz="quarter" idx="5"/>
+          </p:nvPr>
+        </p:nvSpPr>
+        <p:spPr/>
+        <p:txBody>
+          <a:bodyPr/>
+          <a:lstStyle/>
+          <a:p>
+            <a:fld id="{4B94CBFA-6C20-47AF-AD12-E2D304E57898}" type="slidenum">
+              <a:rPr lang="zh-CN" altLang="en-US" smtClean="0"/>
+              <a:t>25</a:t>
+            </a:fld>
+            <a:endParaRPr lang="zh-CN" altLang="en-US"/>
+          </a:p>
+        </p:txBody>
+      </p:sp>
+    </p:spTree>
+    <p:extLst>
+      <p:ext uri="{BB962C8B-B14F-4D97-AF65-F5344CB8AC3E}">
+        <p14:creationId xmlns:p14="http://schemas.microsoft.com/office/powerpoint/2010/main" val="621703347"/>
       </p:ext>
     </p:extLst>
   </p:cSld>
@@ -1636,6 +2439,72 @@
           <a:bodyPr/>
           <a:lstStyle/>
           <a:p>
+            <a:pPr marL="0" marR="0" lvl="0" indent="0" algn="l" defTabSz="914400" rtl="0" eaLnBrk="1" fontAlgn="auto" latinLnBrk="0" hangingPunct="1">
+              <a:lnSpc>
+                <a:spcPct val="100000"/>
+              </a:lnSpc>
+              <a:spcBef>
+                <a:spcPts val="0"/>
+              </a:spcBef>
+              <a:spcAft>
+                <a:spcPts val="0"/>
+              </a:spcAft>
+              <a:buClrTx/>
+              <a:buSzTx/>
+              <a:buFontTx/>
+              <a:buNone/>
+              <a:tabLst/>
+              <a:defRPr/>
+            </a:pPr>
+            <a:r>
+              <a:rPr lang="en-US" altLang="zh-CN" dirty="0"/>
+              <a:t>We developed a </a:t>
+            </a:r>
+            <a:r>
+              <a:rPr lang="en-US" altLang="zh-CN" dirty="0">
+                <a:solidFill>
+                  <a:schemeClr val="bg1"/>
+                </a:solidFill>
+              </a:rPr>
+              <a:t>ticket agency system that allows a large number of users to buy tickets for at least three events concurrently, with numbers of tickets ranging from 1,000 to 100,000</a:t>
+            </a:r>
+          </a:p>
+          <a:p>
+            <a:endParaRPr lang="en-US" altLang="zh-CN" dirty="0"/>
+          </a:p>
+          <a:p>
+            <a:pPr marL="742880" lvl="1" indent="-285750">
+              <a:buFont typeface="Arial" panose="020B0604020202020204" pitchFamily="34" charset="0"/>
+              <a:buChar char="•"/>
+            </a:pPr>
+            <a:r>
+              <a:rPr lang="en-US" altLang="zh-CN" dirty="0"/>
+              <a:t>The objective of our system is to </a:t>
+            </a:r>
+            <a:r>
+              <a:rPr lang="en-US" altLang="zh-CN" dirty="0">
+                <a:solidFill>
+                  <a:schemeClr val="bg1"/>
+                </a:solidFill>
+              </a:rPr>
+              <a:t>can handle 1000 concurrent user requests in a short time and respond without error</a:t>
+            </a:r>
+          </a:p>
+          <a:p>
+            <a:pPr marL="742880" lvl="1" indent="-285750">
+              <a:buFont typeface="Arial" panose="020B0604020202020204" pitchFamily="34" charset="0"/>
+              <a:buChar char="•"/>
+            </a:pPr>
+            <a:r>
+              <a:rPr lang="en-US" altLang="zh-CN" dirty="0">
+                <a:solidFill>
+                  <a:schemeClr val="bg1"/>
+                </a:solidFill>
+              </a:rPr>
+              <a:t>Build the user interface that enable users to select events, purchase tickets and check their purchase histories; enable the ticket owner to check the event ticket details and ticket purchasing information</a:t>
+            </a:r>
+          </a:p>
+          <a:p>
             <a:endParaRPr lang="zh-CN" altLang="en-US" dirty="0"/>
           </a:p>
         </p:txBody>
@@ -1657,7 +2526,7 @@
           <a:p>
             <a:fld id="{4B94CBFA-6C20-47AF-AD12-E2D304E57898}" type="slidenum">
               <a:rPr lang="zh-CN" altLang="en-US" smtClean="0"/>
-              <a:t>5</a:t>
+              <a:t>3</a:t>
             </a:fld>
             <a:endParaRPr lang="zh-CN" altLang="en-US"/>
           </a:p>
@@ -1666,7 +2535,7 @@
     </p:spTree>
     <p:extLst>
       <p:ext uri="{BB962C8B-B14F-4D97-AF65-F5344CB8AC3E}">
-        <p14:creationId xmlns:p14="http://schemas.microsoft.com/office/powerpoint/2010/main" val="3354126810"/>
+        <p14:creationId xmlns:p14="http://schemas.microsoft.com/office/powerpoint/2010/main" val="968240844"/>
       </p:ext>
     </p:extLst>
   </p:cSld>
@@ -1720,6 +2589,10 @@
           <a:bodyPr/>
           <a:lstStyle/>
           <a:p>
+            <a:r>
+              <a:rPr lang="en-US" altLang="zh-CN" dirty="0"/>
+              <a:t>Next, let’s have a look at our project implementation</a:t>
+            </a:r>
             <a:endParaRPr lang="zh-CN" altLang="en-US" dirty="0"/>
           </a:p>
         </p:txBody>
@@ -1741,7 +2614,7 @@
           <a:p>
             <a:fld id="{4B94CBFA-6C20-47AF-AD12-E2D304E57898}" type="slidenum">
               <a:rPr lang="zh-CN" altLang="en-US" smtClean="0"/>
-              <a:t>6</a:t>
+              <a:t>4</a:t>
             </a:fld>
             <a:endParaRPr lang="zh-CN" altLang="en-US"/>
           </a:p>
@@ -1750,7 +2623,7 @@
     </p:spTree>
     <p:extLst>
       <p:ext uri="{BB962C8B-B14F-4D97-AF65-F5344CB8AC3E}">
-        <p14:creationId xmlns:p14="http://schemas.microsoft.com/office/powerpoint/2010/main" val="289701570"/>
+        <p14:creationId xmlns:p14="http://schemas.microsoft.com/office/powerpoint/2010/main" val="1964185171"/>
       </p:ext>
     </p:extLst>
   </p:cSld>
@@ -1804,6 +2677,26 @@
           <a:bodyPr/>
           <a:lstStyle/>
           <a:p>
+            <a:r>
+              <a:rPr lang="en-US" altLang="zh-CN" dirty="0"/>
+              <a:t>We developed the system using playframe work to follow the MVC structure. We use </a:t>
+            </a:r>
+            <a:r>
+              <a:rPr lang="en-US" altLang="zh-CN" dirty="0" err="1"/>
+              <a:t>akka</a:t>
+            </a:r>
+            <a:r>
+              <a:rPr lang="en-US" altLang="zh-CN" dirty="0"/>
+              <a:t> actor model to handle the concurrency of user request in our system. For data accessing and storage, we used MongoDB and create </a:t>
+            </a:r>
+            <a:r>
+              <a:rPr lang="en-US" altLang="zh-CN" dirty="0" err="1"/>
+              <a:t>apis</a:t>
+            </a:r>
+            <a:r>
+              <a:rPr lang="en-US" altLang="zh-CN" dirty="0"/>
+              <a:t> in DAO layer to update and retrieve the data</a:t>
+            </a:r>
             <a:endParaRPr lang="zh-CN" altLang="en-US" dirty="0"/>
           </a:p>
         </p:txBody>
@@ -1825,7 +2718,7 @@
           <a:p>
             <a:fld id="{4B94CBFA-6C20-47AF-AD12-E2D304E57898}" type="slidenum">
               <a:rPr lang="zh-CN" altLang="en-US" smtClean="0"/>
-              <a:t>7</a:t>
+              <a:t>5</a:t>
             </a:fld>
             <a:endParaRPr lang="zh-CN" altLang="en-US"/>
           </a:p>
@@ -1834,7 +2727,7 @@
     </p:spTree>
     <p:extLst>
       <p:ext uri="{BB962C8B-B14F-4D97-AF65-F5344CB8AC3E}">
-        <p14:creationId xmlns:p14="http://schemas.microsoft.com/office/powerpoint/2010/main" val="4156642476"/>
+        <p14:creationId xmlns:p14="http://schemas.microsoft.com/office/powerpoint/2010/main" val="3354126810"/>
       </p:ext>
     </p:extLst>
   </p:cSld>
@@ -1888,6 +2781,34 @@
           <a:bodyPr/>
           <a:lstStyle/>
           <a:p>
+            <a:r>
+              <a:rPr lang="en-US" altLang="zh-CN" dirty="0"/>
+              <a:t>Going into some implementation detail of our project, in the service layer, we created the </a:t>
+            </a:r>
+            <a:r>
+              <a:rPr lang="en-US" altLang="zh-CN" dirty="0" err="1"/>
+              <a:t>UserService</a:t>
+            </a:r>
+            <a:r>
+              <a:rPr lang="en-US" altLang="zh-CN" dirty="0"/>
+              <a:t> and </a:t>
+            </a:r>
+            <a:r>
+              <a:rPr lang="en-US" altLang="zh-CN" dirty="0" err="1"/>
+              <a:t>EventService</a:t>
+            </a:r>
+            <a:r>
+              <a:rPr lang="en-US" altLang="zh-CN" dirty="0"/>
+              <a:t> to call the </a:t>
+            </a:r>
+            <a:r>
+              <a:rPr lang="en-US" altLang="zh-CN" dirty="0" err="1"/>
+              <a:t>apis</a:t>
+            </a:r>
+            <a:r>
+              <a:rPr lang="en-US" altLang="zh-CN" dirty="0"/>
+              <a:t> from DAO layer to fetch the user and ticket data</a:t>
+            </a:r>
             <a:endParaRPr lang="zh-CN" altLang="en-US" dirty="0"/>
           </a:p>
         </p:txBody>
@@ -1909,7 +2830,7 @@
           <a:p>
             <a:fld id="{4B94CBFA-6C20-47AF-AD12-E2D304E57898}" type="slidenum">
               <a:rPr lang="zh-CN" altLang="en-US" smtClean="0"/>
-              <a:t>8</a:t>
+              <a:t>6</a:t>
             </a:fld>
             <a:endParaRPr lang="zh-CN" altLang="en-US"/>
           </a:p>
@@ -1918,7 +2839,7 @@
     </p:spTree>
     <p:extLst>
       <p:ext uri="{BB962C8B-B14F-4D97-AF65-F5344CB8AC3E}">
-        <p14:creationId xmlns:p14="http://schemas.microsoft.com/office/powerpoint/2010/main" val="3973652516"/>
+        <p14:creationId xmlns:p14="http://schemas.microsoft.com/office/powerpoint/2010/main" val="289701570"/>
       </p:ext>
     </p:extLst>
   </p:cSld>
@@ -1972,6 +2893,24 @@
           <a:bodyPr/>
           <a:lstStyle/>
           <a:p>
+            <a:r>
+              <a:rPr lang="en-US" altLang="zh-CN" dirty="0"/>
+              <a:t>Also, we created </a:t>
+            </a:r>
+            <a:r>
+              <a:rPr lang="en-US" altLang="zh-CN" dirty="0" err="1"/>
+              <a:t>purchaseservice</a:t>
+            </a:r>
+            <a:r>
+              <a:rPr lang="en-US" altLang="zh-CN" dirty="0"/>
+              <a:t> to </a:t>
+            </a:r>
+          </a:p>
+          <a:p>
+            <a:r>
+              <a:rPr lang="en-US" altLang="zh-CN" dirty="0"/>
+              <a:t>We created the Duplicate service to check if multiple users are getting the same ticket. And make sure one ticket can only be sold once.</a:t>
+            </a:r>
             <a:endParaRPr lang="zh-CN" altLang="en-US" dirty="0"/>
           </a:p>
         </p:txBody>
@@ -1993,7 +2932,7 @@
           <a:p>
             <a:fld id="{4B94CBFA-6C20-47AF-AD12-E2D304E57898}" type="slidenum">
               <a:rPr lang="zh-CN" altLang="en-US" smtClean="0"/>
-              <a:t>9</a:t>
+              <a:t>7</a:t>
             </a:fld>
             <a:endParaRPr lang="zh-CN" altLang="en-US"/>
           </a:p>
@@ -2002,7 +2941,7 @@
     </p:spTree>
     <p:extLst>
       <p:ext uri="{BB962C8B-B14F-4D97-AF65-F5344CB8AC3E}">
-        <p14:creationId xmlns:p14="http://schemas.microsoft.com/office/powerpoint/2010/main" val="2170702484"/>
+        <p14:creationId xmlns:p14="http://schemas.microsoft.com/office/powerpoint/2010/main" val="4156642476"/>
       </p:ext>
     </p:extLst>
   </p:cSld>
@@ -2056,6 +2995,10 @@
           <a:bodyPr/>
           <a:lstStyle/>
           <a:p>
+            <a:r>
+              <a:rPr lang="en-US" altLang="zh-CN" dirty="0"/>
+              <a:t>The methods defined in controller layer are called by the view page as routes to switch between different pages</a:t>
+            </a:r>
             <a:endParaRPr lang="zh-CN" altLang="en-US" dirty="0"/>
           </a:p>
         </p:txBody>
@@ -2077,7 +3020,7 @@
           <a:p>
             <a:fld id="{4B94CBFA-6C20-47AF-AD12-E2D304E57898}" type="slidenum">
               <a:rPr lang="zh-CN" altLang="en-US" smtClean="0"/>
-              <a:t>10</a:t>
+              <a:t>8</a:t>
             </a:fld>
             <a:endParaRPr lang="zh-CN" altLang="en-US"/>
           </a:p>
@@ -2086,7 +3029,7 @@
     </p:spTree>
     <p:extLst>
       <p:ext uri="{BB962C8B-B14F-4D97-AF65-F5344CB8AC3E}">
-        <p14:creationId xmlns:p14="http://schemas.microsoft.com/office/powerpoint/2010/main" val="3078161525"/>
+        <p14:creationId xmlns:p14="http://schemas.microsoft.com/office/powerpoint/2010/main" val="3973652516"/>
       </p:ext>
     </p:extLst>
   </p:cSld>
@@ -2140,12 +3083,6 @@
           <a:bodyPr/>
           <a:lstStyle/>
           <a:p>
-            <a:r>
-              <a:rPr lang="en-US" altLang="zh-CN" dirty="0"/>
-              <a:t>The actor in our system will be the users who buy tickets from the ticket agency.</a:t>
-            </a:r>
-          </a:p>
-          <a:p>
             <a:pPr marL="0" marR="0" lvl="0" indent="0" algn="l" defTabSz="914400" rtl="0" eaLnBrk="1" fontAlgn="auto" latinLnBrk="0" hangingPunct="1">
               <a:lnSpc>
                 <a:spcPct val="100000"/>
@@ -2165,64 +3102,63 @@
             </a:pPr>
             <a:r>
               <a:rPr lang="en-US" altLang="zh-CN" dirty="0"/>
-              <a:t>There are basically two actions for the actor. The first will be when a user selects an event (maybe a concert) and then purchase the ticket. And the </a:t>
+              <a:t>We created 3 actors in our system to handle the concurrency, which is </a:t>
+            </a:r>
+            <a:r>
+              <a:rPr lang="en-US" altLang="zh-CN" dirty="0" err="1"/>
+              <a:t>UserActor</a:t>
+            </a:r>
+            <a:r>
+              <a:rPr lang="en-US" altLang="zh-CN" dirty="0"/>
+              <a:t>, </a:t>
+            </a:r>
+            <a:r>
+              <a:rPr lang="en-US" altLang="zh-CN" dirty="0" err="1"/>
+              <a:t>EventActor</a:t>
+            </a:r>
+            <a:r>
+              <a:rPr lang="en-US" altLang="zh-CN" dirty="0"/>
+              <a:t> and </a:t>
+            </a:r>
+            <a:r>
+              <a:rPr lang="en-US" altLang="zh-CN" dirty="0" err="1"/>
+              <a:t>PurchaseActor</a:t>
+            </a:r>
+            <a:r>
+              <a:rPr lang="en-US" altLang="zh-CN" dirty="0"/>
+              <a:t>. The actors are </a:t>
             </a:r>
             <a:r>
               <a:rPr lang="en-US" altLang="zh-CN" dirty="0">
                 <a:solidFill>
-                  <a:schemeClr val="tx1"/>
+                  <a:schemeClr val="bg1"/>
                 </a:solidFill>
               </a:rPr>
-              <a:t>System returns the ticket id to the user or message of ticket being sold out.</a:t>
+              <a:t>Manipulated by the controller to concurrently complete actions defined in services like login, </a:t>
+            </a:r>
+            <a:r>
+              <a:rPr lang="en-US" altLang="zh-CN" dirty="0" err="1">
+                <a:solidFill>
+                  <a:schemeClr val="bg1"/>
+                </a:solidFill>
+              </a:rPr>
+              <a:t>finduserbyname</a:t>
+            </a:r>
+            <a:r>
+              <a:rPr lang="en-US" altLang="zh-CN" dirty="0">
+                <a:solidFill>
+                  <a:schemeClr val="bg1"/>
+                </a:solidFill>
+              </a:rPr>
+              <a:t> and so on</a:t>
             </a:r>
             <a:endParaRPr lang="zh-CN" altLang="en-US" dirty="0">
               <a:solidFill>
-                <a:schemeClr val="tx1"/>
+                <a:schemeClr val="bg1"/>
               </a:solidFill>
             </a:endParaRPr>
           </a:p>
           <a:p>
-            <a:r>
-              <a:rPr lang="en-US" altLang="zh-CN" dirty="0"/>
-              <a:t> (</a:t>
-            </a:r>
-            <a:r>
-              <a:rPr lang="en-US" altLang="zh-CN" dirty="0">
-                <a:solidFill>
-                  <a:schemeClr val="tx1"/>
-                </a:solidFill>
-              </a:rPr>
-              <a:t>Concurrent requests: System shows a list of results that which user gets what tickets</a:t>
-            </a:r>
-            <a:r>
-              <a:rPr lang="en-US" altLang="zh-CN" dirty="0"/>
-              <a:t>)</a:t>
-            </a:r>
-          </a:p>
-          <a:p>
-            <a:endParaRPr lang="en-US" altLang="zh-CN" dirty="0"/>
-          </a:p>
-          <a:p>
-            <a:r>
-              <a:rPr lang="en-US" altLang="zh-CN" dirty="0"/>
-              <a:t>The other action for the user </a:t>
-            </a:r>
-            <a:r>
-              <a:rPr lang="en-US" altLang="zh-CN" dirty="0" err="1"/>
-              <a:t>wil</a:t>
-            </a:r>
-            <a:r>
-              <a:rPr lang="en-US" altLang="zh-CN" dirty="0"/>
-              <a:t> be checking what tickets has he purchased and the user will receive the </a:t>
-            </a:r>
-            <a:r>
-              <a:rPr lang="en-US" altLang="zh-CN" dirty="0">
-                <a:solidFill>
-                  <a:schemeClr val="tx1"/>
-                </a:solidFill>
-              </a:rPr>
-              <a:t>list of tickets the user purchased</a:t>
-            </a:r>
             <a:endParaRPr lang="zh-CN" altLang="en-US" dirty="0"/>
           </a:p>
         </p:txBody>
@@ -2244,7 +3180,7 @@
           <a:p>
             <a:fld id="{4B94CBFA-6C20-47AF-AD12-E2D304E57898}" type="slidenum">
               <a:rPr lang="zh-CN" altLang="en-US" smtClean="0"/>
-              <a:t>12</a:t>
+              <a:t>9</a:t>
             </a:fld>
             <a:endParaRPr lang="zh-CN" altLang="en-US"/>
           </a:p>
@@ -2253,7 +3189,7 @@
     </p:spTree>
     <p:extLst>
       <p:ext uri="{BB962C8B-B14F-4D97-AF65-F5344CB8AC3E}">
-        <p14:creationId xmlns:p14="http://schemas.microsoft.com/office/powerpoint/2010/main" val="3790860723"/>
+        <p14:creationId xmlns:p14="http://schemas.microsoft.com/office/powerpoint/2010/main" val="2170702484"/>
       </p:ext>
     </p:extLst>
   </p:cSld>
@@ -6628,7 +7564,7 @@
         </p:blipFill>
         <p:spPr>
           <a:xfrm>
-            <a:off x="1259632" y="1707654"/>
+            <a:off x="1259632" y="1751097"/>
             <a:ext cx="6494311" cy="2232248"/>
           </a:xfrm>
           <a:prstGeom prst="rect">
@@ -6636,6 +7572,50 @@
           </a:prstGeom>
         </p:spPr>
       </p:pic>
+      <p:sp>
+        <p:nvSpPr>
+          <p:cNvPr id="2" name="文本框 1">
+            <a:extLst>
+              <a:ext uri="{FF2B5EF4-FFF2-40B4-BE49-F238E27FC236}">
+                <a16:creationId xmlns:a16="http://schemas.microsoft.com/office/drawing/2014/main" id="{DABE1526-A7EB-421D-B72F-E9160022B1CB}"/>
+              </a:ext>
+            </a:extLst>
+          </p:cNvPr>
+          <p:cNvSpPr txBox="1"/>
+          <p:nvPr/>
+        </p:nvSpPr>
+        <p:spPr>
+          <a:xfrm>
+            <a:off x="1259632" y="1306964"/>
+            <a:ext cx="2376264" cy="400110"/>
+          </a:xfrm>
+          <a:prstGeom prst="rect">
+            <a:avLst/>
+          </a:prstGeom>
+          <a:noFill/>
+        </p:spPr>
+        <p:txBody>
+          <a:bodyPr wrap="square" rtlCol="0">
+            <a:spAutoFit/>
+          </a:bodyPr>
+          <a:lstStyle/>
+          <a:p>
+            <a:r>
+              <a:rPr lang="en-US" altLang="zh-CN" sz="2000" dirty="0">
+                <a:solidFill>
+                  <a:srgbClr val="FFFFFF"/>
+                </a:solidFill>
+              </a:rPr>
+              <a:t>Gatling</a:t>
+            </a:r>
+            <a:endParaRPr lang="zh-CN" altLang="en-US" sz="2000" dirty="0">
+              <a:solidFill>
+                <a:srgbClr val="FFFFFF"/>
+              </a:solidFill>
+            </a:endParaRPr>
+          </a:p>
+        </p:txBody>
+      </p:sp>
     </p:spTree>
     <p:extLst>
       <p:ext uri="{BB962C8B-B14F-4D97-AF65-F5344CB8AC3E}">
@@ -8032,7 +9012,7 @@
                   <a:srgbClr val="FFC000"/>
                 </a:solidFill>
               </a:rPr>
-              <a:t>Action 2:  Check purchasing history</a:t>
+              <a:t>Action 2:  Check purchase history</a:t>
             </a:r>
             <a:endParaRPr lang="zh-CN" altLang="en-US" b="1" dirty="0">
               <a:solidFill>
@@ -9790,7 +10770,7 @@
                 <a:latin typeface="微软雅黑"/>
                 <a:ea typeface="微软雅黑"/>
               </a:rPr>
-              <a:t>TESTING</a:t>
+              <a:t>UNIT TEST</a:t>
             </a:r>
           </a:p>
         </p:txBody>
@@ -10698,7 +11678,7 @@
                 </a:solidFill>
                 <a:ea typeface="微软雅黑"/>
               </a:rPr>
-              <a:t>Unit Testing Results</a:t>
+              <a:t>Unit Test Results</a:t>
             </a:r>
             <a:endParaRPr lang="zh-CN" altLang="en-US" sz="2800" b="1" kern="0" dirty="0">
               <a:solidFill>
@@ -11396,7 +12376,7 @@
                 </a:solidFill>
                 <a:ea typeface="微软雅黑"/>
               </a:rPr>
-              <a:t>Unit Testing Results</a:t>
+              <a:t>Unit Test Results</a:t>
             </a:r>
             <a:endParaRPr lang="zh-CN" altLang="en-US" sz="2800" b="1" kern="0" dirty="0">
               <a:solidFill>
@@ -12094,7 +13074,7 @@
                 </a:solidFill>
                 <a:ea typeface="微软雅黑"/>
               </a:rPr>
-              <a:t>Unit Testing Results</a:t>
+              <a:t>Unit Test Results</a:t>
             </a:r>
             <a:endParaRPr lang="zh-CN" altLang="en-US" sz="2800" b="1" kern="0" dirty="0">
               <a:solidFill>
@@ -12421,7 +13401,7 @@
                 <a:latin typeface="微软雅黑"/>
                 <a:ea typeface="微软雅黑"/>
               </a:rPr>
-              <a:t>4</a:t>
+              <a:t>5</a:t>
             </a:r>
           </a:p>
         </p:txBody>
@@ -19208,7 +20188,7 @@
                 <a:latin typeface="微软雅黑"/>
                 <a:ea typeface="微软雅黑"/>
               </a:rPr>
-              <a:t>5</a:t>
+              <a:t>6</a:t>
             </a:r>
             <a:endParaRPr lang="zh-CN" altLang="en-US" sz="14900" b="1" dirty="0">
               <a:solidFill>
@@ -20431,8 +21411,8 @@
           <a:lstStyle/>
           <a:p>
             <a:pPr marL="285750" indent="-285750">
-              <a:buFont typeface="Arial" panose="020B0604020202020204" pitchFamily="34" charset="0"/>
-              <a:buChar char="•"/>
+              <a:buFont typeface="Wingdings" panose="05000000000000000000" pitchFamily="2" charset="2"/>
+              <a:buChar char="ü"/>
             </a:pPr>
             <a:r>
               <a:rPr lang="en-US" altLang="zh-CN" dirty="0">
@@ -20445,8 +21425,8 @@
           </a:p>
           <a:p>
             <a:pPr marL="285750" indent="-285750">
-              <a:buFont typeface="Arial" panose="020B0604020202020204" pitchFamily="34" charset="0"/>
-              <a:buChar char="•"/>
+              <a:buFont typeface="Wingdings" panose="05000000000000000000" pitchFamily="2" charset="2"/>
+              <a:buChar char="ü"/>
             </a:pPr>
             <a:r>
               <a:rPr lang="en-US" altLang="zh-CN" dirty="0">
@@ -20459,8 +21439,8 @@
           </a:p>
           <a:p>
             <a:pPr marL="285750" indent="-285750">
-              <a:buFont typeface="Arial" panose="020B0604020202020204" pitchFamily="34" charset="0"/>
-              <a:buChar char="•"/>
+              <a:buFont typeface="Wingdings" panose="05000000000000000000" pitchFamily="2" charset="2"/>
+              <a:buChar char="ü"/>
             </a:pPr>
             <a:r>
               <a:rPr lang="en-US" altLang="zh-CN" dirty="0">
@@ -20588,8 +21568,8 @@
           <a:lstStyle/>
           <a:p>
             <a:pPr marL="285750" indent="-285750">
-              <a:buFont typeface="Arial" panose="020B0604020202020204" pitchFamily="34" charset="0"/>
-              <a:buChar char="•"/>
+              <a:buFont typeface="Wingdings" panose="05000000000000000000" pitchFamily="2" charset="2"/>
+              <a:buChar char="ü"/>
             </a:pPr>
             <a:r>
               <a:rPr lang="en-US" altLang="zh-CN" dirty="0">
@@ -20602,8 +21582,8 @@
           </a:p>
           <a:p>
             <a:pPr marL="285750" indent="-285750">
-              <a:buFont typeface="Arial" panose="020B0604020202020204" pitchFamily="34" charset="0"/>
-              <a:buChar char="•"/>
+              <a:buFont typeface="Wingdings" panose="05000000000000000000" pitchFamily="2" charset="2"/>
+              <a:buChar char="ü"/>
             </a:pPr>
             <a:r>
               <a:rPr lang="en-US" altLang="zh-CN" dirty="0">
@@ -20645,8 +21625,8 @@
           <a:lstStyle/>
           <a:p>
             <a:pPr marL="285750" indent="-285750">
-              <a:buFont typeface="Arial" panose="020B0604020202020204" pitchFamily="34" charset="0"/>
-              <a:buChar char="•"/>
+              <a:buFont typeface="Wingdings" panose="05000000000000000000" pitchFamily="2" charset="2"/>
+              <a:buChar char="ü"/>
             </a:pPr>
             <a:r>
               <a:rPr lang="en-US" altLang="zh-CN" dirty="0">
@@ -20659,8 +21639,8 @@
           </a:p>
           <a:p>
             <a:pPr marL="285750" indent="-285750">
-              <a:buFont typeface="Arial" panose="020B0604020202020204" pitchFamily="34" charset="0"/>
-              <a:buChar char="•"/>
+              <a:buFont typeface="Wingdings" panose="05000000000000000000" pitchFamily="2" charset="2"/>
+              <a:buChar char="ü"/>
             </a:pPr>
             <a:r>
               <a:rPr lang="en-US" altLang="zh-CN" dirty="0">
@@ -21084,555 +22064,6 @@
 </file>
 
 <file path=ppt/slides/slide26.xml><?xml version="1.0" encoding="utf-8"?>
-<p:sld xmlns:a="http://schemas.openxmlformats.org/drawingml/2006/main" xmlns:r="http://schemas.openxmlformats.org/officeDocument/2006/relationships" xmlns:p="http://schemas.openxmlformats.org/presentationml/2006/main">
-  <p:cSld>
-    <p:spTree>
-      <p:nvGrpSpPr>
-        <p:cNvPr id="1" name=""/>
-        <p:cNvGrpSpPr/>
-        <p:nvPr/>
-      </p:nvGrpSpPr>
-      <p:grpSpPr>
-        <a:xfrm>
-          <a:off x="0" y="0"/>
-          <a:ext cx="0" cy="0"/>
-          <a:chOff x="0" y="0"/>
-          <a:chExt cx="0" cy="0"/>
-        </a:xfrm>
-      </p:grpSpPr>
-      <p:sp>
-        <p:nvSpPr>
-          <p:cNvPr id="2" name="文本框 3"/>
-          <p:cNvSpPr txBox="1"/>
-          <p:nvPr/>
-        </p:nvSpPr>
-        <p:spPr>
-          <a:xfrm>
-            <a:off x="414366" y="1485913"/>
-            <a:ext cx="3357563" cy="2362171"/>
-          </a:xfrm>
-          <a:prstGeom prst="rect">
-            <a:avLst/>
-          </a:prstGeom>
-          <a:noFill/>
-        </p:spPr>
-        <p:txBody>
-          <a:bodyPr wrap="square" lIns="68517" tIns="34283" rIns="68517" bIns="34283" rtlCol="0">
-            <a:spAutoFit/>
-          </a:bodyPr>
-          <a:lstStyle/>
-          <a:p>
-            <a:pPr algn="ctr" defTabSz="685205"/>
-            <a:r>
-              <a:rPr lang="en-US" altLang="zh-CN" sz="14900" b="1" dirty="0">
-                <a:solidFill>
-                  <a:prstClr val="white"/>
-                </a:solidFill>
-                <a:latin typeface="微软雅黑"/>
-                <a:ea typeface="微软雅黑"/>
-              </a:rPr>
-              <a:t>6</a:t>
-            </a:r>
-            <a:endParaRPr lang="zh-CN" altLang="en-US" sz="14900" b="1" dirty="0">
-              <a:solidFill>
-                <a:prstClr val="white"/>
-              </a:solidFill>
-              <a:latin typeface="微软雅黑"/>
-              <a:ea typeface="微软雅黑"/>
-            </a:endParaRPr>
-          </a:p>
-        </p:txBody>
-      </p:sp>
-      <p:sp>
-        <p:nvSpPr>
-          <p:cNvPr id="4" name="矩形 3"/>
-          <p:cNvSpPr/>
-          <p:nvPr/>
-        </p:nvSpPr>
-        <p:spPr bwMode="auto">
-          <a:xfrm>
-            <a:off x="2976967" y="2427022"/>
-            <a:ext cx="4259331" cy="479952"/>
-          </a:xfrm>
-          <a:prstGeom prst="rect">
-            <a:avLst/>
-          </a:prstGeom>
-          <a:noFill/>
-          <a:ln w="6350" cap="flat" cmpd="sng" algn="ctr">
-            <a:solidFill>
-              <a:srgbClr val="FFFFFF">
-                <a:alpha val="20000"/>
-              </a:srgbClr>
-            </a:solidFill>
-            <a:prstDash val="solid"/>
-            <a:miter lim="800000"/>
-          </a:ln>
-          <a:effectLst/>
-        </p:spPr>
-        <p:txBody>
-          <a:bodyPr wrap="square" lIns="53958" tIns="24295" rIns="53958" bIns="24295" rtlCol="0" anchor="t">
-            <a:spAutoFit/>
-          </a:bodyPr>
-          <a:lstStyle/>
-          <a:p>
-            <a:pPr algn="ctr" defTabSz="685205">
-              <a:defRPr/>
-            </a:pPr>
-            <a:r>
-              <a:rPr lang="en-US" altLang="zh-CN" sz="2800" b="1" kern="0" cap="small" dirty="0">
-                <a:solidFill>
-                  <a:srgbClr val="F59F14"/>
-                </a:solidFill>
-                <a:latin typeface="微软雅黑"/>
-                <a:ea typeface="微软雅黑"/>
-              </a:rPr>
-              <a:t>DEMO</a:t>
-            </a:r>
-          </a:p>
-        </p:txBody>
-      </p:sp>
-      <p:sp>
-        <p:nvSpPr>
-          <p:cNvPr id="5" name="直接连接符 6"/>
-          <p:cNvSpPr>
-            <a:spLocks noChangeShapeType="1"/>
-          </p:cNvSpPr>
-          <p:nvPr/>
-        </p:nvSpPr>
-        <p:spPr bwMode="auto">
-          <a:xfrm>
-            <a:off x="2986560" y="3435848"/>
-            <a:ext cx="4249738" cy="1587"/>
-          </a:xfrm>
-          <a:prstGeom prst="line">
-            <a:avLst/>
-          </a:prstGeom>
-          <a:noFill/>
-          <a:ln w="9525">
-            <a:solidFill>
-              <a:srgbClr val="FFFFFF"/>
-            </a:solidFill>
-            <a:prstDash val="sysDot"/>
-            <a:round/>
-            <a:headEnd/>
-            <a:tailEnd/>
-          </a:ln>
-          <a:extLst>
-            <a:ext uri="{909E8E84-426E-40DD-AFC4-6F175D3DCCD1}">
-              <a14:hiddenFill xmlns:a14="http://schemas.microsoft.com/office/drawing/2010/main">
-                <a:noFill/>
-              </a14:hiddenFill>
-            </a:ext>
-          </a:extLst>
-        </p:spPr>
-        <p:txBody>
-          <a:bodyPr lIns="91428" tIns="45714" rIns="91428" bIns="45714"/>
-          <a:lstStyle/>
-          <a:p>
-            <a:pPr fontAlgn="base">
-              <a:spcBef>
-                <a:spcPct val="0"/>
-              </a:spcBef>
-              <a:spcAft>
-                <a:spcPct val="0"/>
-              </a:spcAft>
-              <a:buFont typeface="Arial" pitchFamily="34" charset="0"/>
-              <a:buNone/>
-              <a:defRPr/>
-            </a:pPr>
-            <a:endParaRPr lang="zh-CN" altLang="en-US" kern="0">
-              <a:solidFill>
-                <a:srgbClr val="000000"/>
-              </a:solidFill>
-              <a:latin typeface="Arial" pitchFamily="34" charset="0"/>
-            </a:endParaRPr>
-          </a:p>
-        </p:txBody>
-      </p:sp>
-      <p:sp>
-        <p:nvSpPr>
-          <p:cNvPr id="6" name="直接连接符 7"/>
-          <p:cNvSpPr>
-            <a:spLocks noChangeShapeType="1"/>
-          </p:cNvSpPr>
-          <p:nvPr/>
-        </p:nvSpPr>
-        <p:spPr bwMode="auto">
-          <a:xfrm>
-            <a:off x="2986560" y="1819275"/>
-            <a:ext cx="4249738" cy="1588"/>
-          </a:xfrm>
-          <a:prstGeom prst="line">
-            <a:avLst/>
-          </a:prstGeom>
-          <a:noFill/>
-          <a:ln w="9525">
-            <a:solidFill>
-              <a:srgbClr val="FFFFFF"/>
-            </a:solidFill>
-            <a:prstDash val="sysDot"/>
-            <a:round/>
-            <a:headEnd/>
-            <a:tailEnd/>
-          </a:ln>
-          <a:extLst>
-            <a:ext uri="{909E8E84-426E-40DD-AFC4-6F175D3DCCD1}">
-              <a14:hiddenFill xmlns:a14="http://schemas.microsoft.com/office/drawing/2010/main">
-                <a:noFill/>
-              </a14:hiddenFill>
-            </a:ext>
-          </a:extLst>
-        </p:spPr>
-        <p:txBody>
-          <a:bodyPr lIns="91428" tIns="45714" rIns="91428" bIns="45714"/>
-          <a:lstStyle/>
-          <a:p>
-            <a:pPr fontAlgn="base">
-              <a:spcBef>
-                <a:spcPct val="0"/>
-              </a:spcBef>
-              <a:spcAft>
-                <a:spcPct val="0"/>
-              </a:spcAft>
-              <a:buFont typeface="Arial" pitchFamily="34" charset="0"/>
-              <a:buNone/>
-              <a:defRPr/>
-            </a:pPr>
-            <a:endParaRPr lang="zh-CN" altLang="en-US" kern="0">
-              <a:solidFill>
-                <a:srgbClr val="000000"/>
-              </a:solidFill>
-              <a:latin typeface="Arial" pitchFamily="34" charset="0"/>
-            </a:endParaRPr>
-          </a:p>
-        </p:txBody>
-      </p:sp>
-    </p:spTree>
-    <p:extLst>
-      <p:ext uri="{BB962C8B-B14F-4D97-AF65-F5344CB8AC3E}">
-        <p14:creationId xmlns:p14="http://schemas.microsoft.com/office/powerpoint/2010/main" val="1014248844"/>
-      </p:ext>
-    </p:extLst>
-  </p:cSld>
-  <p:clrMapOvr>
-    <a:masterClrMapping/>
-  </p:clrMapOvr>
-  <p:timing>
-    <p:tnLst>
-      <p:par>
-        <p:cTn id="1" dur="indefinite" restart="never" nodeType="tmRoot">
-          <p:childTnLst>
-            <p:seq concurrent="1" nextAc="seek">
-              <p:cTn id="2" dur="indefinite" nodeType="mainSeq">
-                <p:childTnLst>
-                  <p:par>
-                    <p:cTn id="3" fill="hold">
-                      <p:stCondLst>
-                        <p:cond delay="indefinite"/>
-                        <p:cond evt="onBegin" delay="0">
-                          <p:tn val="2"/>
-                        </p:cond>
-                      </p:stCondLst>
-                      <p:childTnLst>
-                        <p:par>
-                          <p:cTn id="4" fill="hold">
-                            <p:stCondLst>
-                              <p:cond delay="0"/>
-                            </p:stCondLst>
-                            <p:childTnLst>
-                              <p:par>
-                                <p:cTn id="5" presetID="10" presetClass="entr" presetSubtype="0" fill="hold" grpId="0" nodeType="afterEffect">
-                                  <p:stCondLst>
-                                    <p:cond delay="0"/>
-                                  </p:stCondLst>
-                                  <p:childTnLst>
-                                    <p:set>
-                                      <p:cBhvr>
-                                        <p:cTn id="6" dur="1" fill="hold">
-                                          <p:stCondLst>
-                                            <p:cond delay="0"/>
-                                          </p:stCondLst>
-                                        </p:cTn>
-                                        <p:tgtEl>
-                                          <p:spTgt spid="2"/>
-                                        </p:tgtEl>
-                                        <p:attrNameLst>
-                                          <p:attrName>style.visibility</p:attrName>
-                                        </p:attrNameLst>
-                                      </p:cBhvr>
-                                      <p:to>
-                                        <p:strVal val="visible"/>
-                                      </p:to>
-                                    </p:set>
-                                    <p:animEffect transition="in" filter="fade">
-                                      <p:cBhvr>
-                                        <p:cTn id="7" dur="500"/>
-                                        <p:tgtEl>
-                                          <p:spTgt spid="2"/>
-                                        </p:tgtEl>
-                                      </p:cBhvr>
-                                    </p:animEffect>
-                                  </p:childTnLst>
-                                </p:cTn>
-                              </p:par>
-                              <p:par>
-                                <p:cTn id="8" presetID="42" presetClass="entr" presetSubtype="0" fill="hold" grpId="0" nodeType="withEffect">
-                                  <p:stCondLst>
-                                    <p:cond delay="0"/>
-                                  </p:stCondLst>
-                                  <p:childTnLst>
-                                    <p:set>
-                                      <p:cBhvr>
-                                        <p:cTn id="9" dur="1" fill="hold">
-                                          <p:stCondLst>
-                                            <p:cond delay="0"/>
-                                          </p:stCondLst>
-                                        </p:cTn>
-                                        <p:tgtEl>
-                                          <p:spTgt spid="5"/>
-                                        </p:tgtEl>
-                                        <p:attrNameLst>
-                                          <p:attrName>style.visibility</p:attrName>
-                                        </p:attrNameLst>
-                                      </p:cBhvr>
-                                      <p:to>
-                                        <p:strVal val="visible"/>
-                                      </p:to>
-                                    </p:set>
-                                    <p:animEffect>
-                                      <p:cBhvr>
-                                        <p:cTn id="10" dur="500"/>
-                                        <p:tgtEl>
-                                          <p:spTgt spid="5"/>
-                                        </p:tgtEl>
-                                      </p:cBhvr>
-                                    </p:animEffect>
-                                    <p:anim calcmode="lin" valueType="num">
-                                      <p:cBhvr>
-                                        <p:cTn id="11" dur="500" fill="hold"/>
-                                        <p:tgtEl>
-                                          <p:spTgt spid="5"/>
-                                        </p:tgtEl>
-                                        <p:attrNameLst>
-                                          <p:attrName>ppt_x</p:attrName>
-                                        </p:attrNameLst>
-                                      </p:cBhvr>
-                                      <p:tavLst>
-                                        <p:tav tm="0">
-                                          <p:val>
-                                            <p:strVal val="#ppt_x"/>
-                                          </p:val>
-                                        </p:tav>
-                                        <p:tav tm="100000">
-                                          <p:val>
-                                            <p:strVal val="#ppt_x"/>
-                                          </p:val>
-                                        </p:tav>
-                                      </p:tavLst>
-                                    </p:anim>
-                                    <p:anim calcmode="lin" valueType="num">
-                                      <p:cBhvr>
-                                        <p:cTn id="12" dur="500" fill="hold"/>
-                                        <p:tgtEl>
-                                          <p:spTgt spid="5"/>
-                                        </p:tgtEl>
-                                        <p:attrNameLst>
-                                          <p:attrName>ppt_y</p:attrName>
-                                        </p:attrNameLst>
-                                      </p:cBhvr>
-                                      <p:tavLst>
-                                        <p:tav tm="0">
-                                          <p:val>
-                                            <p:strVal val="#ppt_y+.1"/>
-                                          </p:val>
-                                        </p:tav>
-                                        <p:tav tm="100000">
-                                          <p:val>
-                                            <p:strVal val="#ppt_y"/>
-                                          </p:val>
-                                        </p:tav>
-                                      </p:tavLst>
-                                    </p:anim>
-                                  </p:childTnLst>
-                                </p:cTn>
-                              </p:par>
-                              <p:par>
-                                <p:cTn id="13" presetID="47" presetClass="entr" presetSubtype="0" fill="hold" grpId="0" nodeType="withEffect">
-                                  <p:stCondLst>
-                                    <p:cond delay="0"/>
-                                  </p:stCondLst>
-                                  <p:childTnLst>
-                                    <p:set>
-                                      <p:cBhvr>
-                                        <p:cTn id="14" dur="1" fill="hold">
-                                          <p:stCondLst>
-                                            <p:cond delay="0"/>
-                                          </p:stCondLst>
-                                        </p:cTn>
-                                        <p:tgtEl>
-                                          <p:spTgt spid="6"/>
-                                        </p:tgtEl>
-                                        <p:attrNameLst>
-                                          <p:attrName>style.visibility</p:attrName>
-                                        </p:attrNameLst>
-                                      </p:cBhvr>
-                                      <p:to>
-                                        <p:strVal val="visible"/>
-                                      </p:to>
-                                    </p:set>
-                                    <p:animEffect>
-                                      <p:cBhvr>
-                                        <p:cTn id="15" dur="500"/>
-                                        <p:tgtEl>
-                                          <p:spTgt spid="6"/>
-                                        </p:tgtEl>
-                                      </p:cBhvr>
-                                    </p:animEffect>
-                                    <p:anim calcmode="lin" valueType="num">
-                                      <p:cBhvr>
-                                        <p:cTn id="16" dur="500" fill="hold"/>
-                                        <p:tgtEl>
-                                          <p:spTgt spid="6"/>
-                                        </p:tgtEl>
-                                        <p:attrNameLst>
-                                          <p:attrName>ppt_x</p:attrName>
-                                        </p:attrNameLst>
-                                      </p:cBhvr>
-                                      <p:tavLst>
-                                        <p:tav tm="0">
-                                          <p:val>
-                                            <p:strVal val="#ppt_x"/>
-                                          </p:val>
-                                        </p:tav>
-                                        <p:tav tm="100000">
-                                          <p:val>
-                                            <p:strVal val="#ppt_x"/>
-                                          </p:val>
-                                        </p:tav>
-                                      </p:tavLst>
-                                    </p:anim>
-                                    <p:anim calcmode="lin" valueType="num">
-                                      <p:cBhvr>
-                                        <p:cTn id="17" dur="500" fill="hold"/>
-                                        <p:tgtEl>
-                                          <p:spTgt spid="6"/>
-                                        </p:tgtEl>
-                                        <p:attrNameLst>
-                                          <p:attrName>ppt_y</p:attrName>
-                                        </p:attrNameLst>
-                                      </p:cBhvr>
-                                      <p:tavLst>
-                                        <p:tav tm="0">
-                                          <p:val>
-                                            <p:strVal val="#ppt_y-.1"/>
-                                          </p:val>
-                                        </p:tav>
-                                        <p:tav tm="100000">
-                                          <p:val>
-                                            <p:strVal val="#ppt_y"/>
-                                          </p:val>
-                                        </p:tav>
-                                      </p:tavLst>
-                                    </p:anim>
-                                  </p:childTnLst>
-                                </p:cTn>
-                              </p:par>
-                              <p:par>
-                                <p:cTn id="18" presetID="12" presetClass="entr" presetSubtype="8" fill="hold" grpId="0" nodeType="withEffect">
-                                  <p:stCondLst>
-                                    <p:cond delay="0"/>
-                                  </p:stCondLst>
-                                  <p:childTnLst>
-                                    <p:set>
-                                      <p:cBhvr>
-                                        <p:cTn id="19" dur="1" fill="hold">
-                                          <p:stCondLst>
-                                            <p:cond delay="0"/>
-                                          </p:stCondLst>
-                                        </p:cTn>
-                                        <p:tgtEl>
-                                          <p:spTgt spid="4"/>
-                                        </p:tgtEl>
-                                        <p:attrNameLst>
-                                          <p:attrName>style.visibility</p:attrName>
-                                        </p:attrNameLst>
-                                      </p:cBhvr>
-                                      <p:to>
-                                        <p:strVal val="visible"/>
-                                      </p:to>
-                                    </p:set>
-                                    <p:anim calcmode="lin" valueType="num">
-                                      <p:cBhvr additive="base">
-                                        <p:cTn id="20" dur="500"/>
-                                        <p:tgtEl>
-                                          <p:spTgt spid="4"/>
-                                        </p:tgtEl>
-                                        <p:attrNameLst>
-                                          <p:attrName>ppt_x</p:attrName>
-                                        </p:attrNameLst>
-                                      </p:cBhvr>
-                                      <p:tavLst>
-                                        <p:tav tm="0">
-                                          <p:val>
-                                            <p:strVal val="#ppt_x-#ppt_w*1.125000"/>
-                                          </p:val>
-                                        </p:tav>
-                                        <p:tav tm="100000">
-                                          <p:val>
-                                            <p:strVal val="#ppt_x"/>
-                                          </p:val>
-                                        </p:tav>
-                                      </p:tavLst>
-                                    </p:anim>
-                                    <p:animEffect transition="in" filter="wipe(right)">
-                                      <p:cBhvr>
-                                        <p:cTn id="21" dur="500"/>
-                                        <p:tgtEl>
-                                          <p:spTgt spid="4"/>
-                                        </p:tgtEl>
-                                      </p:cBhvr>
-                                    </p:animEffect>
-                                  </p:childTnLst>
-                                </p:cTn>
-                              </p:par>
-                            </p:childTnLst>
-                          </p:cTn>
-                        </p:par>
-                      </p:childTnLst>
-                    </p:cTn>
-                  </p:par>
-                </p:childTnLst>
-              </p:cTn>
-              <p:prevCondLst>
-                <p:cond evt="onPrev" delay="0">
-                  <p:tgtEl>
-                    <p:sldTgt/>
-                  </p:tgtEl>
-                </p:cond>
-              </p:prevCondLst>
-              <p:nextCondLst>
-                <p:cond evt="onNext" delay="0">
-                  <p:tgtEl>
-                    <p:sldTgt/>
-                  </p:tgtEl>
-                </p:cond>
-              </p:nextCondLst>
-            </p:seq>
-          </p:childTnLst>
-        </p:cTn>
-      </p:par>
-    </p:tnLst>
-    <p:bldLst>
-      <p:bldP spid="2" grpId="0"/>
-      <p:bldP spid="4" grpId="0" animBg="1"/>
-      <p:bldP spid="5" grpId="0" animBg="1"/>
-      <p:bldP spid="6" grpId="0" animBg="1"/>
-    </p:bldLst>
-  </p:timing>
-</p:sld>
-</file>
-
-<file path=ppt/slides/slide27.xml><?xml version="1.0" encoding="utf-8"?>
 <p:sld xmlns:a="http://schemas.openxmlformats.org/drawingml/2006/main" xmlns:r="http://schemas.openxmlformats.org/officeDocument/2006/relationships" xmlns:p="http://schemas.openxmlformats.org/presentationml/2006/main">
   <p:cSld>
     <p:spTree>
